--- a/系统.pptx
+++ b/系统.pptx
@@ -5,15 +5,17 @@
     <p:sldMasterId id="2147483648" r:id="rId1"/>
   </p:sldMasterIdLst>
   <p:notesMasterIdLst>
-    <p:notesMasterId r:id="rId8"/>
+    <p:notesMasterId r:id="rId11"/>
   </p:notesMasterIdLst>
   <p:sldIdLst>
-    <p:sldId id="256" r:id="rId2"/>
-    <p:sldId id="259" r:id="rId3"/>
-    <p:sldId id="257" r:id="rId4"/>
-    <p:sldId id="261" r:id="rId5"/>
-    <p:sldId id="258" r:id="rId6"/>
-    <p:sldId id="260" r:id="rId7"/>
+    <p:sldId id="256" r:id="rId3"/>
+    <p:sldId id="259" r:id="rId4"/>
+    <p:sldId id="264" r:id="rId5"/>
+    <p:sldId id="257" r:id="rId6"/>
+    <p:sldId id="261" r:id="rId7"/>
+    <p:sldId id="260" r:id="rId8"/>
+    <p:sldId id="258" r:id="rId9"/>
+    <p:sldId id="265" r:id="rId10"/>
   </p:sldIdLst>
   <p:sldSz cx="12192000" cy="6858000"/>
   <p:notesSz cx="6858000" cy="9144000"/>
@@ -112,11 +114,6 @@
       </a:defRPr>
     </a:lvl9pPr>
   </p:defaultTextStyle>
-  <p:extLst>
-    <p:ext uri="{EFAFB233-063F-42B5-8137-9DF3F51BA10A}">
-      <p15:sldGuideLst xmlns:p15="http://schemas.microsoft.com/office/powerpoint/2012/main"/>
-    </p:ext>
-  </p:extLst>
 </p:presentation>
 </file>
 
@@ -202,7 +199,6 @@
           <a:p>
             <a:fld id="{D2A48B96-639E-45A3-A0BA-2464DFDB1FAA}" type="datetimeFigureOut">
               <a:rPr lang="zh-CN" altLang="en-US" smtClean="0"/>
-              <a:t>2017/8/12</a:t>
             </a:fld>
             <a:endParaRPr lang="zh-CN" altLang="en-US"/>
           </a:p>
@@ -269,6 +265,7 @@
               <a:rPr lang="zh-CN" altLang="en-US" smtClean="0"/>
               <a:t>单击此处编辑母版文本样式</a:t>
             </a:r>
+            <a:endParaRPr lang="zh-CN" altLang="en-US" smtClean="0"/>
           </a:p>
           <a:p>
             <a:pPr lvl="1"/>
@@ -276,6 +273,7 @@
               <a:rPr lang="zh-CN" altLang="en-US" smtClean="0"/>
               <a:t>第二级</a:t>
             </a:r>
+            <a:endParaRPr lang="zh-CN" altLang="en-US" smtClean="0"/>
           </a:p>
           <a:p>
             <a:pPr lvl="2"/>
@@ -283,6 +281,7 @@
               <a:rPr lang="zh-CN" altLang="en-US" smtClean="0"/>
               <a:t>第三级</a:t>
             </a:r>
+            <a:endParaRPr lang="zh-CN" altLang="en-US" smtClean="0"/>
           </a:p>
           <a:p>
             <a:pPr lvl="3"/>
@@ -290,6 +289,7 @@
               <a:rPr lang="zh-CN" altLang="en-US" smtClean="0"/>
               <a:t>第四级</a:t>
             </a:r>
+            <a:endParaRPr lang="zh-CN" altLang="en-US" smtClean="0"/>
           </a:p>
           <a:p>
             <a:pPr lvl="4"/>
@@ -361,18 +361,12 @@
           <a:p>
             <a:fld id="{A6837353-30EB-4A48-80EB-173D804AEFBD}" type="slidenum">
               <a:rPr lang="zh-CN" altLang="en-US" smtClean="0"/>
-              <a:t>‹#›</a:t>
             </a:fld>
             <a:endParaRPr lang="zh-CN" altLang="en-US"/>
           </a:p>
         </p:txBody>
       </p:sp>
     </p:spTree>
-    <p:extLst>
-      <p:ext uri="{BB962C8B-B14F-4D97-AF65-F5344CB8AC3E}">
-        <p14:creationId xmlns:p14="http://schemas.microsoft.com/office/powerpoint/2010/main" val="3047284503"/>
-      </p:ext>
-    </p:extLst>
   </p:cSld>
   <p:clrMap bg1="lt1" tx1="dk1" bg2="lt2" tx2="dk2" accent1="accent1" accent2="accent2" accent3="accent3" accent4="accent4" accent5="accent5" accent6="accent6" hlink="hlink" folHlink="folHlink"/>
   <p:notesStyle>
@@ -601,7 +595,6 @@
           <a:p>
             <a:fld id="{D997B5FA-0921-464F-AAE1-844C04324D75}" type="datetimeFigureOut">
               <a:rPr lang="zh-CN" altLang="en-US" smtClean="0"/>
-              <a:t>2017/8/12</a:t>
             </a:fld>
             <a:endParaRPr lang="zh-CN" altLang="en-US"/>
           </a:p>
@@ -626,6 +619,7 @@
               <a:rPr lang="zh-CN" altLang="en-US"/>
               <a:t>三人开发小组</a:t>
             </a:r>
+            <a:endParaRPr lang="zh-CN" altLang="en-US"/>
           </a:p>
         </p:txBody>
       </p:sp>
@@ -646,7 +640,6 @@
           <a:p>
             <a:fld id="{565CE74E-AB26-4998-AD42-012C4C1AD076}" type="slidenum">
               <a:rPr lang="zh-CN" altLang="en-US" smtClean="0"/>
-              <a:t>‹#›</a:t>
             </a:fld>
             <a:endParaRPr lang="zh-CN" altLang="en-US"/>
           </a:p>
@@ -721,6 +714,7 @@
               <a:rPr lang="zh-CN" altLang="en-US" smtClean="0"/>
               <a:t>单击此处编辑母版文本样式</a:t>
             </a:r>
+            <a:endParaRPr lang="zh-CN" altLang="en-US" smtClean="0"/>
           </a:p>
           <a:p>
             <a:pPr lvl="1"/>
@@ -728,6 +722,7 @@
               <a:rPr lang="zh-CN" altLang="en-US" smtClean="0"/>
               <a:t>第二级</a:t>
             </a:r>
+            <a:endParaRPr lang="zh-CN" altLang="en-US" smtClean="0"/>
           </a:p>
           <a:p>
             <a:pPr lvl="2"/>
@@ -735,6 +730,7 @@
               <a:rPr lang="zh-CN" altLang="en-US" smtClean="0"/>
               <a:t>第三级</a:t>
             </a:r>
+            <a:endParaRPr lang="zh-CN" altLang="en-US" smtClean="0"/>
           </a:p>
           <a:p>
             <a:pPr lvl="3"/>
@@ -742,6 +738,7 @@
               <a:rPr lang="zh-CN" altLang="en-US" smtClean="0"/>
               <a:t>第四级</a:t>
             </a:r>
+            <a:endParaRPr lang="zh-CN" altLang="en-US" smtClean="0"/>
           </a:p>
           <a:p>
             <a:pPr lvl="4"/>
@@ -770,7 +767,6 @@
           <a:p>
             <a:fld id="{D997B5FA-0921-464F-AAE1-844C04324D75}" type="datetimeFigureOut">
               <a:rPr lang="zh-CN" altLang="en-US" smtClean="0"/>
-              <a:t>2017/8/12</a:t>
             </a:fld>
             <a:endParaRPr lang="zh-CN" altLang="en-US"/>
           </a:p>
@@ -795,6 +791,7 @@
               <a:rPr lang="zh-CN" altLang="en-US"/>
               <a:t>三人开发小组</a:t>
             </a:r>
+            <a:endParaRPr lang="zh-CN" altLang="en-US"/>
           </a:p>
         </p:txBody>
       </p:sp>
@@ -815,7 +812,6 @@
           <a:p>
             <a:fld id="{565CE74E-AB26-4998-AD42-012C4C1AD076}" type="slidenum">
               <a:rPr lang="zh-CN" altLang="en-US" smtClean="0"/>
-              <a:t>‹#›</a:t>
             </a:fld>
             <a:endParaRPr lang="zh-CN" altLang="en-US"/>
           </a:p>
@@ -900,6 +896,7 @@
               <a:rPr lang="zh-CN" altLang="en-US" smtClean="0"/>
               <a:t>单击此处编辑母版文本样式</a:t>
             </a:r>
+            <a:endParaRPr lang="zh-CN" altLang="en-US" smtClean="0"/>
           </a:p>
           <a:p>
             <a:pPr lvl="1"/>
@@ -907,6 +904,7 @@
               <a:rPr lang="zh-CN" altLang="en-US" smtClean="0"/>
               <a:t>第二级</a:t>
             </a:r>
+            <a:endParaRPr lang="zh-CN" altLang="en-US" smtClean="0"/>
           </a:p>
           <a:p>
             <a:pPr lvl="2"/>
@@ -914,6 +912,7 @@
               <a:rPr lang="zh-CN" altLang="en-US" smtClean="0"/>
               <a:t>第三级</a:t>
             </a:r>
+            <a:endParaRPr lang="zh-CN" altLang="en-US" smtClean="0"/>
           </a:p>
           <a:p>
             <a:pPr lvl="3"/>
@@ -921,6 +920,7 @@
               <a:rPr lang="zh-CN" altLang="en-US" smtClean="0"/>
               <a:t>第四级</a:t>
             </a:r>
+            <a:endParaRPr lang="zh-CN" altLang="en-US" smtClean="0"/>
           </a:p>
           <a:p>
             <a:pPr lvl="4"/>
@@ -949,7 +949,6 @@
           <a:p>
             <a:fld id="{D997B5FA-0921-464F-AAE1-844C04324D75}" type="datetimeFigureOut">
               <a:rPr lang="zh-CN" altLang="en-US" smtClean="0"/>
-              <a:t>2017/8/12</a:t>
             </a:fld>
             <a:endParaRPr lang="zh-CN" altLang="en-US"/>
           </a:p>
@@ -974,6 +973,7 @@
               <a:rPr lang="zh-CN" altLang="en-US"/>
               <a:t>三人开发小组</a:t>
             </a:r>
+            <a:endParaRPr lang="zh-CN" altLang="en-US"/>
           </a:p>
         </p:txBody>
       </p:sp>
@@ -994,7 +994,6 @@
           <a:p>
             <a:fld id="{565CE74E-AB26-4998-AD42-012C4C1AD076}" type="slidenum">
               <a:rPr lang="zh-CN" altLang="en-US" smtClean="0"/>
-              <a:t>‹#›</a:t>
             </a:fld>
             <a:endParaRPr lang="zh-CN" altLang="en-US"/>
           </a:p>
@@ -1069,6 +1068,7 @@
               <a:rPr lang="zh-CN" altLang="en-US" smtClean="0"/>
               <a:t>单击此处编辑母版文本样式</a:t>
             </a:r>
+            <a:endParaRPr lang="zh-CN" altLang="en-US" smtClean="0"/>
           </a:p>
           <a:p>
             <a:pPr lvl="1"/>
@@ -1076,6 +1076,7 @@
               <a:rPr lang="zh-CN" altLang="en-US" smtClean="0"/>
               <a:t>第二级</a:t>
             </a:r>
+            <a:endParaRPr lang="zh-CN" altLang="en-US" smtClean="0"/>
           </a:p>
           <a:p>
             <a:pPr lvl="2"/>
@@ -1083,6 +1084,7 @@
               <a:rPr lang="zh-CN" altLang="en-US" smtClean="0"/>
               <a:t>第三级</a:t>
             </a:r>
+            <a:endParaRPr lang="zh-CN" altLang="en-US" smtClean="0"/>
           </a:p>
           <a:p>
             <a:pPr lvl="3"/>
@@ -1090,6 +1092,7 @@
               <a:rPr lang="zh-CN" altLang="en-US" smtClean="0"/>
               <a:t>第四级</a:t>
             </a:r>
+            <a:endParaRPr lang="zh-CN" altLang="en-US" smtClean="0"/>
           </a:p>
           <a:p>
             <a:pPr lvl="4"/>
@@ -1118,7 +1121,6 @@
           <a:p>
             <a:fld id="{D997B5FA-0921-464F-AAE1-844C04324D75}" type="datetimeFigureOut">
               <a:rPr lang="zh-CN" altLang="en-US" smtClean="0"/>
-              <a:t>2017/8/12</a:t>
             </a:fld>
             <a:endParaRPr lang="zh-CN" altLang="en-US"/>
           </a:p>
@@ -1143,6 +1145,7 @@
               <a:rPr lang="zh-CN" altLang="en-US"/>
               <a:t>三人开发小组</a:t>
             </a:r>
+            <a:endParaRPr lang="zh-CN" altLang="en-US"/>
           </a:p>
         </p:txBody>
       </p:sp>
@@ -1163,7 +1166,6 @@
           <a:p>
             <a:fld id="{565CE74E-AB26-4998-AD42-012C4C1AD076}" type="slidenum">
               <a:rPr lang="zh-CN" altLang="en-US" smtClean="0"/>
-              <a:t>‹#›</a:t>
             </a:fld>
             <a:endParaRPr lang="zh-CN" altLang="en-US"/>
           </a:p>
@@ -1343,6 +1345,7 @@
               <a:rPr lang="zh-CN" altLang="en-US" smtClean="0"/>
               <a:t>单击此处编辑母版文本样式</a:t>
             </a:r>
+            <a:endParaRPr lang="zh-CN" altLang="en-US" smtClean="0"/>
           </a:p>
         </p:txBody>
       </p:sp>
@@ -1363,7 +1366,6 @@
           <a:p>
             <a:fld id="{D997B5FA-0921-464F-AAE1-844C04324D75}" type="datetimeFigureOut">
               <a:rPr lang="zh-CN" altLang="en-US" smtClean="0"/>
-              <a:t>2017/8/12</a:t>
             </a:fld>
             <a:endParaRPr lang="zh-CN" altLang="en-US"/>
           </a:p>
@@ -1388,6 +1390,7 @@
               <a:rPr lang="zh-CN" altLang="en-US"/>
               <a:t>三人开发小组</a:t>
             </a:r>
+            <a:endParaRPr lang="zh-CN" altLang="en-US"/>
           </a:p>
         </p:txBody>
       </p:sp>
@@ -1408,7 +1411,6 @@
           <a:p>
             <a:fld id="{565CE74E-AB26-4998-AD42-012C4C1AD076}" type="slidenum">
               <a:rPr lang="zh-CN" altLang="en-US" smtClean="0"/>
-              <a:t>‹#›</a:t>
             </a:fld>
             <a:endParaRPr lang="zh-CN" altLang="en-US"/>
           </a:p>
@@ -1488,6 +1490,7 @@
               <a:rPr lang="zh-CN" altLang="en-US" smtClean="0"/>
               <a:t>单击此处编辑母版文本样式</a:t>
             </a:r>
+            <a:endParaRPr lang="zh-CN" altLang="en-US" smtClean="0"/>
           </a:p>
           <a:p>
             <a:pPr lvl="1"/>
@@ -1495,6 +1498,7 @@
               <a:rPr lang="zh-CN" altLang="en-US" smtClean="0"/>
               <a:t>第二级</a:t>
             </a:r>
+            <a:endParaRPr lang="zh-CN" altLang="en-US" smtClean="0"/>
           </a:p>
           <a:p>
             <a:pPr lvl="2"/>
@@ -1502,6 +1506,7 @@
               <a:rPr lang="zh-CN" altLang="en-US" smtClean="0"/>
               <a:t>第三级</a:t>
             </a:r>
+            <a:endParaRPr lang="zh-CN" altLang="en-US" smtClean="0"/>
           </a:p>
           <a:p>
             <a:pPr lvl="3"/>
@@ -1509,6 +1514,7 @@
               <a:rPr lang="zh-CN" altLang="en-US" smtClean="0"/>
               <a:t>第四级</a:t>
             </a:r>
+            <a:endParaRPr lang="zh-CN" altLang="en-US" smtClean="0"/>
           </a:p>
           <a:p>
             <a:pPr lvl="4"/>
@@ -1545,6 +1551,7 @@
               <a:rPr lang="zh-CN" altLang="en-US" smtClean="0"/>
               <a:t>单击此处编辑母版文本样式</a:t>
             </a:r>
+            <a:endParaRPr lang="zh-CN" altLang="en-US" smtClean="0"/>
           </a:p>
           <a:p>
             <a:pPr lvl="1"/>
@@ -1552,6 +1559,7 @@
               <a:rPr lang="zh-CN" altLang="en-US" smtClean="0"/>
               <a:t>第二级</a:t>
             </a:r>
+            <a:endParaRPr lang="zh-CN" altLang="en-US" smtClean="0"/>
           </a:p>
           <a:p>
             <a:pPr lvl="2"/>
@@ -1559,6 +1567,7 @@
               <a:rPr lang="zh-CN" altLang="en-US" smtClean="0"/>
               <a:t>第三级</a:t>
             </a:r>
+            <a:endParaRPr lang="zh-CN" altLang="en-US" smtClean="0"/>
           </a:p>
           <a:p>
             <a:pPr lvl="3"/>
@@ -1566,6 +1575,7 @@
               <a:rPr lang="zh-CN" altLang="en-US" smtClean="0"/>
               <a:t>第四级</a:t>
             </a:r>
+            <a:endParaRPr lang="zh-CN" altLang="en-US" smtClean="0"/>
           </a:p>
           <a:p>
             <a:pPr lvl="4"/>
@@ -1594,7 +1604,6 @@
           <a:p>
             <a:fld id="{D997B5FA-0921-464F-AAE1-844C04324D75}" type="datetimeFigureOut">
               <a:rPr lang="zh-CN" altLang="en-US" smtClean="0"/>
-              <a:t>2017/8/12</a:t>
             </a:fld>
             <a:endParaRPr lang="zh-CN" altLang="en-US"/>
           </a:p>
@@ -1619,6 +1628,7 @@
               <a:rPr lang="zh-CN" altLang="en-US"/>
               <a:t>三人开发小组</a:t>
             </a:r>
+            <a:endParaRPr lang="zh-CN" altLang="en-US"/>
           </a:p>
         </p:txBody>
       </p:sp>
@@ -1639,7 +1649,6 @@
           <a:p>
             <a:fld id="{565CE74E-AB26-4998-AD42-012C4C1AD076}" type="slidenum">
               <a:rPr lang="zh-CN" altLang="en-US" smtClean="0"/>
-              <a:t>‹#›</a:t>
             </a:fld>
             <a:endParaRPr lang="zh-CN" altLang="en-US"/>
           </a:p>
@@ -1761,6 +1770,7 @@
               <a:rPr lang="zh-CN" altLang="en-US" smtClean="0"/>
               <a:t>单击此处编辑母版文本样式</a:t>
             </a:r>
+            <a:endParaRPr lang="zh-CN" altLang="en-US" smtClean="0"/>
           </a:p>
         </p:txBody>
       </p:sp>
@@ -1789,6 +1799,7 @@
               <a:rPr lang="zh-CN" altLang="en-US" smtClean="0"/>
               <a:t>单击此处编辑母版文本样式</a:t>
             </a:r>
+            <a:endParaRPr lang="zh-CN" altLang="en-US" smtClean="0"/>
           </a:p>
           <a:p>
             <a:pPr lvl="1"/>
@@ -1796,6 +1807,7 @@
               <a:rPr lang="zh-CN" altLang="en-US" smtClean="0"/>
               <a:t>第二级</a:t>
             </a:r>
+            <a:endParaRPr lang="zh-CN" altLang="en-US" smtClean="0"/>
           </a:p>
           <a:p>
             <a:pPr lvl="2"/>
@@ -1803,6 +1815,7 @@
               <a:rPr lang="zh-CN" altLang="en-US" smtClean="0"/>
               <a:t>第三级</a:t>
             </a:r>
+            <a:endParaRPr lang="zh-CN" altLang="en-US" smtClean="0"/>
           </a:p>
           <a:p>
             <a:pPr lvl="3"/>
@@ -1810,6 +1823,7 @@
               <a:rPr lang="zh-CN" altLang="en-US" smtClean="0"/>
               <a:t>第四级</a:t>
             </a:r>
+            <a:endParaRPr lang="zh-CN" altLang="en-US" smtClean="0"/>
           </a:p>
           <a:p>
             <a:pPr lvl="4"/>
@@ -1883,6 +1897,7 @@
               <a:rPr lang="zh-CN" altLang="en-US" smtClean="0"/>
               <a:t>单击此处编辑母版文本样式</a:t>
             </a:r>
+            <a:endParaRPr lang="zh-CN" altLang="en-US" smtClean="0"/>
           </a:p>
         </p:txBody>
       </p:sp>
@@ -1911,6 +1926,7 @@
               <a:rPr lang="zh-CN" altLang="en-US" smtClean="0"/>
               <a:t>单击此处编辑母版文本样式</a:t>
             </a:r>
+            <a:endParaRPr lang="zh-CN" altLang="en-US" smtClean="0"/>
           </a:p>
           <a:p>
             <a:pPr lvl="1"/>
@@ -1918,6 +1934,7 @@
               <a:rPr lang="zh-CN" altLang="en-US" smtClean="0"/>
               <a:t>第二级</a:t>
             </a:r>
+            <a:endParaRPr lang="zh-CN" altLang="en-US" smtClean="0"/>
           </a:p>
           <a:p>
             <a:pPr lvl="2"/>
@@ -1925,6 +1942,7 @@
               <a:rPr lang="zh-CN" altLang="en-US" smtClean="0"/>
               <a:t>第三级</a:t>
             </a:r>
+            <a:endParaRPr lang="zh-CN" altLang="en-US" smtClean="0"/>
           </a:p>
           <a:p>
             <a:pPr lvl="3"/>
@@ -1932,6 +1950,7 @@
               <a:rPr lang="zh-CN" altLang="en-US" smtClean="0"/>
               <a:t>第四级</a:t>
             </a:r>
+            <a:endParaRPr lang="zh-CN" altLang="en-US" smtClean="0"/>
           </a:p>
           <a:p>
             <a:pPr lvl="4"/>
@@ -1960,7 +1979,6 @@
           <a:p>
             <a:fld id="{D997B5FA-0921-464F-AAE1-844C04324D75}" type="datetimeFigureOut">
               <a:rPr lang="zh-CN" altLang="en-US" smtClean="0"/>
-              <a:t>2017/8/12</a:t>
             </a:fld>
             <a:endParaRPr lang="zh-CN" altLang="en-US"/>
           </a:p>
@@ -1985,6 +2003,7 @@
               <a:rPr lang="zh-CN" altLang="en-US"/>
               <a:t>三人开发小组</a:t>
             </a:r>
+            <a:endParaRPr lang="zh-CN" altLang="en-US"/>
           </a:p>
         </p:txBody>
       </p:sp>
@@ -2005,7 +2024,6 @@
           <a:p>
             <a:fld id="{565CE74E-AB26-4998-AD42-012C4C1AD076}" type="slidenum">
               <a:rPr lang="zh-CN" altLang="en-US" smtClean="0"/>
-              <a:t>‹#›</a:t>
             </a:fld>
             <a:endParaRPr lang="zh-CN" altLang="en-US"/>
           </a:p>
@@ -2077,7 +2095,6 @@
           <a:p>
             <a:fld id="{D997B5FA-0921-464F-AAE1-844C04324D75}" type="datetimeFigureOut">
               <a:rPr lang="zh-CN" altLang="en-US" smtClean="0"/>
-              <a:t>2017/8/12</a:t>
             </a:fld>
             <a:endParaRPr lang="zh-CN" altLang="en-US"/>
           </a:p>
@@ -2102,6 +2119,7 @@
               <a:rPr lang="zh-CN" altLang="en-US"/>
               <a:t>三人开发小组</a:t>
             </a:r>
+            <a:endParaRPr lang="zh-CN" altLang="en-US"/>
           </a:p>
         </p:txBody>
       </p:sp>
@@ -2122,7 +2140,6 @@
           <a:p>
             <a:fld id="{565CE74E-AB26-4998-AD42-012C4C1AD076}" type="slidenum">
               <a:rPr lang="zh-CN" altLang="en-US" smtClean="0"/>
-              <a:t>‹#›</a:t>
             </a:fld>
             <a:endParaRPr lang="zh-CN" altLang="en-US"/>
           </a:p>
@@ -2171,7 +2188,6 @@
           <a:p>
             <a:fld id="{D997B5FA-0921-464F-AAE1-844C04324D75}" type="datetimeFigureOut">
               <a:rPr lang="zh-CN" altLang="en-US" smtClean="0"/>
-              <a:t>2017/8/12</a:t>
             </a:fld>
             <a:endParaRPr lang="zh-CN" altLang="en-US"/>
           </a:p>
@@ -2196,6 +2212,7 @@
               <a:rPr lang="zh-CN" altLang="en-US"/>
               <a:t>三人开发小组</a:t>
             </a:r>
+            <a:endParaRPr lang="zh-CN" altLang="en-US"/>
           </a:p>
         </p:txBody>
       </p:sp>
@@ -2216,7 +2233,6 @@
           <a:p>
             <a:fld id="{565CE74E-AB26-4998-AD42-012C4C1AD076}" type="slidenum">
               <a:rPr lang="zh-CN" altLang="en-US" smtClean="0"/>
-              <a:t>‹#›</a:t>
             </a:fld>
             <a:endParaRPr lang="zh-CN" altLang="en-US"/>
           </a:p>
@@ -2333,6 +2349,7 @@
               <a:rPr lang="zh-CN" altLang="en-US" smtClean="0"/>
               <a:t>单击此处编辑母版文本样式</a:t>
             </a:r>
+            <a:endParaRPr lang="zh-CN" altLang="en-US" smtClean="0"/>
           </a:p>
           <a:p>
             <a:pPr lvl="1"/>
@@ -2340,6 +2357,7 @@
               <a:rPr lang="zh-CN" altLang="en-US" smtClean="0"/>
               <a:t>第二级</a:t>
             </a:r>
+            <a:endParaRPr lang="zh-CN" altLang="en-US" smtClean="0"/>
           </a:p>
           <a:p>
             <a:pPr lvl="2"/>
@@ -2347,6 +2365,7 @@
               <a:rPr lang="zh-CN" altLang="en-US" smtClean="0"/>
               <a:t>第三级</a:t>
             </a:r>
+            <a:endParaRPr lang="zh-CN" altLang="en-US" smtClean="0"/>
           </a:p>
           <a:p>
             <a:pPr lvl="3"/>
@@ -2354,6 +2373,7 @@
               <a:rPr lang="zh-CN" altLang="en-US" smtClean="0"/>
               <a:t>第四级</a:t>
             </a:r>
+            <a:endParaRPr lang="zh-CN" altLang="en-US" smtClean="0"/>
           </a:p>
           <a:p>
             <a:pPr lvl="4"/>
@@ -2427,6 +2447,7 @@
               <a:rPr lang="zh-CN" altLang="en-US" smtClean="0"/>
               <a:t>单击此处编辑母版文本样式</a:t>
             </a:r>
+            <a:endParaRPr lang="zh-CN" altLang="en-US" smtClean="0"/>
           </a:p>
         </p:txBody>
       </p:sp>
@@ -2447,7 +2468,6 @@
           <a:p>
             <a:fld id="{D997B5FA-0921-464F-AAE1-844C04324D75}" type="datetimeFigureOut">
               <a:rPr lang="zh-CN" altLang="en-US" smtClean="0"/>
-              <a:t>2017/8/12</a:t>
             </a:fld>
             <a:endParaRPr lang="zh-CN" altLang="en-US"/>
           </a:p>
@@ -2472,6 +2492,7 @@
               <a:rPr lang="zh-CN" altLang="en-US"/>
               <a:t>三人开发小组</a:t>
             </a:r>
+            <a:endParaRPr lang="zh-CN" altLang="en-US"/>
           </a:p>
         </p:txBody>
       </p:sp>
@@ -2492,7 +2513,6 @@
           <a:p>
             <a:fld id="{565CE74E-AB26-4998-AD42-012C4C1AD076}" type="slidenum">
               <a:rPr lang="zh-CN" altLang="en-US" smtClean="0"/>
-              <a:t>‹#›</a:t>
             </a:fld>
             <a:endParaRPr lang="zh-CN" altLang="en-US"/>
           </a:p>
@@ -2679,6 +2699,7 @@
               <a:rPr lang="zh-CN" altLang="en-US" smtClean="0"/>
               <a:t>单击此处编辑母版文本样式</a:t>
             </a:r>
+            <a:endParaRPr lang="zh-CN" altLang="en-US" smtClean="0"/>
           </a:p>
         </p:txBody>
       </p:sp>
@@ -2699,7 +2720,6 @@
           <a:p>
             <a:fld id="{D997B5FA-0921-464F-AAE1-844C04324D75}" type="datetimeFigureOut">
               <a:rPr lang="zh-CN" altLang="en-US" smtClean="0"/>
-              <a:t>2017/8/12</a:t>
             </a:fld>
             <a:endParaRPr lang="zh-CN" altLang="en-US"/>
           </a:p>
@@ -2724,6 +2744,7 @@
               <a:rPr lang="zh-CN" altLang="en-US"/>
               <a:t>三人开发小组</a:t>
             </a:r>
+            <a:endParaRPr lang="zh-CN" altLang="en-US"/>
           </a:p>
         </p:txBody>
       </p:sp>
@@ -2744,7 +2765,6 @@
           <a:p>
             <a:fld id="{565CE74E-AB26-4998-AD42-012C4C1AD076}" type="slidenum">
               <a:rPr lang="zh-CN" altLang="en-US" smtClean="0"/>
-              <a:t>‹#›</a:t>
             </a:fld>
             <a:endParaRPr lang="zh-CN" altLang="en-US"/>
           </a:p>
@@ -2844,6 +2864,7 @@
               <a:rPr lang="zh-CN" altLang="en-US" smtClean="0"/>
               <a:t>单击此处编辑母版文本样式</a:t>
             </a:r>
+            <a:endParaRPr lang="zh-CN" altLang="en-US" smtClean="0"/>
           </a:p>
           <a:p>
             <a:pPr lvl="1"/>
@@ -2851,6 +2872,7 @@
               <a:rPr lang="zh-CN" altLang="en-US" smtClean="0"/>
               <a:t>第二级</a:t>
             </a:r>
+            <a:endParaRPr lang="zh-CN" altLang="en-US" smtClean="0"/>
           </a:p>
           <a:p>
             <a:pPr lvl="2"/>
@@ -2858,6 +2880,7 @@
               <a:rPr lang="zh-CN" altLang="en-US" smtClean="0"/>
               <a:t>第三级</a:t>
             </a:r>
+            <a:endParaRPr lang="zh-CN" altLang="en-US" smtClean="0"/>
           </a:p>
           <a:p>
             <a:pPr lvl="3"/>
@@ -2865,6 +2888,7 @@
               <a:rPr lang="zh-CN" altLang="en-US" smtClean="0"/>
               <a:t>第四级</a:t>
             </a:r>
+            <a:endParaRPr lang="zh-CN" altLang="en-US" smtClean="0"/>
           </a:p>
           <a:p>
             <a:pPr lvl="4"/>
@@ -2911,7 +2935,6 @@
           <a:p>
             <a:fld id="{D997B5FA-0921-464F-AAE1-844C04324D75}" type="datetimeFigureOut">
               <a:rPr lang="zh-CN" altLang="en-US" smtClean="0"/>
-              <a:t>2017/8/12</a:t>
             </a:fld>
             <a:endParaRPr lang="zh-CN" altLang="en-US"/>
           </a:p>
@@ -2954,6 +2977,7 @@
               <a:rPr lang="zh-CN" altLang="en-US"/>
               <a:t>三人开发小组</a:t>
             </a:r>
+            <a:endParaRPr lang="zh-CN" altLang="en-US"/>
           </a:p>
         </p:txBody>
       </p:sp>
@@ -2992,7 +3016,6 @@
           <a:p>
             <a:fld id="{565CE74E-AB26-4998-AD42-012C4C1AD076}" type="slidenum">
               <a:rPr lang="zh-CN" altLang="en-US" smtClean="0"/>
-              <a:t>‹#›</a:t>
             </a:fld>
             <a:endParaRPr lang="zh-CN" altLang="en-US"/>
           </a:p>
@@ -3530,15 +3553,152 @@
               <a:rPr lang="zh-CN" altLang="en-US"/>
               <a:t>三人开发小组</a:t>
             </a:r>
+            <a:endParaRPr lang="zh-CN" altLang="en-US"/>
+          </a:p>
+        </p:txBody>
+      </p:sp>
+      <p:sp>
+        <p:nvSpPr>
+          <p:cNvPr id="2" name="文本框 1"/>
+          <p:cNvSpPr txBox="1"/>
+          <p:nvPr/>
+        </p:nvSpPr>
+        <p:spPr>
+          <a:xfrm>
+            <a:off x="665480" y="1405890"/>
+            <a:ext cx="5724525" cy="365760"/>
+          </a:xfrm>
+          <a:prstGeom prst="rect">
+            <a:avLst/>
+          </a:prstGeom>
+          <a:noFill/>
+        </p:spPr>
+        <p:txBody>
+          <a:bodyPr wrap="square" rtlCol="0">
+            <a:spAutoFit/>
+          </a:bodyPr>
+          <a:p>
+            <a:r>
+              <a:rPr lang="zh-CN" altLang="en-US">
+                <a:solidFill>
+                  <a:srgbClr val="00AE66"/>
+                </a:solidFill>
+              </a:rPr>
+              <a:t>设计目的</a:t>
+            </a:r>
+            <a:endParaRPr lang="zh-CN" altLang="en-US">
+              <a:solidFill>
+                <a:srgbClr val="00AE66"/>
+              </a:solidFill>
+            </a:endParaRPr>
+          </a:p>
+        </p:txBody>
+      </p:sp>
+      <p:sp>
+        <p:nvSpPr>
+          <p:cNvPr id="3" name="文本框 2"/>
+          <p:cNvSpPr txBox="1"/>
+          <p:nvPr/>
+        </p:nvSpPr>
+        <p:spPr>
+          <a:xfrm>
+            <a:off x="732790" y="1956435"/>
+            <a:ext cx="4064000" cy="368300"/>
+          </a:xfrm>
+          <a:prstGeom prst="rect">
+            <a:avLst/>
+          </a:prstGeom>
+          <a:noFill/>
+        </p:spPr>
+        <p:txBody>
+          <a:bodyPr wrap="square" rtlCol="0">
+            <a:spAutoFit/>
+          </a:bodyPr>
+          <a:p>
+            <a:r>
+              <a:rPr lang="en-US" altLang="zh-CN"/>
+              <a:t>1.</a:t>
+            </a:r>
+            <a:r>
+              <a:rPr lang="zh-CN" altLang="en-US"/>
+              <a:t>丰富游戏内容</a:t>
+            </a:r>
+            <a:endParaRPr lang="zh-CN" altLang="en-US"/>
+          </a:p>
+        </p:txBody>
+      </p:sp>
+      <p:cxnSp>
+        <p:nvCxnSpPr>
+          <p:cNvPr id="5" name="直接连接符 4"/>
+          <p:cNvCxnSpPr/>
+          <p:nvPr/>
+        </p:nvCxnSpPr>
+        <p:spPr>
+          <a:xfrm>
+            <a:off x="762000" y="1831340"/>
+            <a:ext cx="4092575" cy="0"/>
+          </a:xfrm>
+          <a:prstGeom prst="line">
+            <a:avLst/>
+          </a:prstGeom>
+        </p:spPr>
+        <p:style>
+          <a:lnRef idx="3">
+            <a:schemeClr val="accent6"/>
+          </a:lnRef>
+          <a:fillRef idx="0">
+            <a:schemeClr val="accent6"/>
+          </a:fillRef>
+          <a:effectRef idx="2">
+            <a:schemeClr val="accent6"/>
+          </a:effectRef>
+          <a:fontRef idx="minor">
+            <a:schemeClr val="tx1"/>
+          </a:fontRef>
+        </p:style>
+      </p:cxnSp>
+      <p:sp>
+        <p:nvSpPr>
+          <p:cNvPr id="7" name="文本框 6"/>
+          <p:cNvSpPr txBox="1"/>
+          <p:nvPr/>
+        </p:nvSpPr>
+        <p:spPr>
+          <a:xfrm>
+            <a:off x="732790" y="2419350"/>
+            <a:ext cx="4064000" cy="368300"/>
+          </a:xfrm>
+          <a:prstGeom prst="rect">
+            <a:avLst/>
+          </a:prstGeom>
+          <a:noFill/>
+        </p:spPr>
+        <p:txBody>
+          <a:bodyPr wrap="square" rtlCol="0">
+            <a:spAutoFit/>
+          </a:bodyPr>
+          <a:p>
+            <a:r>
+              <a:rPr lang="en-US" altLang="zh-CN"/>
+              <a:t>2.</a:t>
+            </a:r>
+            <a:r>
+              <a:rPr lang="zh-CN" altLang="en-US"/>
+              <a:t>提升玩家与</a:t>
+            </a:r>
+            <a:r>
+              <a:rPr lang="en-US" altLang="zh-CN"/>
+              <a:t>NPC</a:t>
+            </a:r>
+            <a:r>
+              <a:rPr lang="zh-CN" altLang="en-US"/>
+              <a:t>的交互</a:t>
+            </a:r>
+            <a:endParaRPr lang="zh-CN" altLang="en-US"/>
           </a:p>
         </p:txBody>
       </p:sp>
     </p:spTree>
-    <p:extLst>
-      <p:ext uri="{BB962C8B-B14F-4D97-AF65-F5344CB8AC3E}">
-        <p14:creationId xmlns:p14="http://schemas.microsoft.com/office/powerpoint/2010/main" val="3891140702"/>
-      </p:ext>
-    </p:extLst>
   </p:cSld>
   <p:clrMapOvr>
     <a:masterClrMapping/>
@@ -3637,7 +3797,7 @@
                   <a:schemeClr val="bg1"/>
                 </a:solidFill>
               </a:rPr>
-              <a:t>交易系统</a:t>
+              <a:t>道具系统</a:t>
             </a:r>
             <a:endParaRPr lang="zh-CN" altLang="zh-CN" sz="4000" dirty="0">
               <a:solidFill>
@@ -3671,6 +3831,198 @@
               <a:rPr lang="zh-CN" altLang="en-US"/>
               <a:t>三人开发小组</a:t>
             </a:r>
+            <a:endParaRPr lang="zh-CN" altLang="en-US"/>
+          </a:p>
+        </p:txBody>
+      </p:sp>
+      <p:sp>
+        <p:nvSpPr>
+          <p:cNvPr id="2" name="文本框 1"/>
+          <p:cNvSpPr txBox="1"/>
+          <p:nvPr/>
+        </p:nvSpPr>
+        <p:spPr>
+          <a:xfrm>
+            <a:off x="665480" y="1405890"/>
+            <a:ext cx="5724525" cy="365760"/>
+          </a:xfrm>
+          <a:prstGeom prst="rect">
+            <a:avLst/>
+          </a:prstGeom>
+          <a:noFill/>
+        </p:spPr>
+        <p:txBody>
+          <a:bodyPr wrap="square" rtlCol="0">
+            <a:spAutoFit/>
+          </a:bodyPr>
+          <a:p>
+            <a:r>
+              <a:rPr lang="zh-CN" altLang="en-US">
+                <a:solidFill>
+                  <a:srgbClr val="00AE66"/>
+                </a:solidFill>
+              </a:rPr>
+              <a:t>道具分类</a:t>
+            </a:r>
+            <a:endParaRPr lang="zh-CN" altLang="en-US">
+              <a:solidFill>
+                <a:srgbClr val="00AE66"/>
+              </a:solidFill>
+            </a:endParaRPr>
+          </a:p>
+        </p:txBody>
+      </p:sp>
+      <p:sp>
+        <p:nvSpPr>
+          <p:cNvPr id="3" name="文本框 2"/>
+          <p:cNvSpPr txBox="1"/>
+          <p:nvPr/>
+        </p:nvSpPr>
+        <p:spPr>
+          <a:xfrm>
+            <a:off x="732790" y="1956435"/>
+            <a:ext cx="4064000" cy="365760"/>
+          </a:xfrm>
+          <a:prstGeom prst="rect">
+            <a:avLst/>
+          </a:prstGeom>
+          <a:noFill/>
+        </p:spPr>
+        <p:txBody>
+          <a:bodyPr wrap="square" rtlCol="0">
+            <a:spAutoFit/>
+          </a:bodyPr>
+          <a:p>
+            <a:r>
+              <a:rPr lang="zh-CN" altLang="en-US"/>
+              <a:t>主动使用型道具</a:t>
+            </a:r>
+            <a:endParaRPr lang="zh-CN" altLang="en-US"/>
+          </a:p>
+        </p:txBody>
+      </p:sp>
+      <p:cxnSp>
+        <p:nvCxnSpPr>
+          <p:cNvPr id="5" name="直接连接符 4"/>
+          <p:cNvCxnSpPr/>
+          <p:nvPr/>
+        </p:nvCxnSpPr>
+        <p:spPr>
+          <a:xfrm>
+            <a:off x="762000" y="1831340"/>
+            <a:ext cx="4092575" cy="0"/>
+          </a:xfrm>
+          <a:prstGeom prst="line">
+            <a:avLst/>
+          </a:prstGeom>
+        </p:spPr>
+        <p:style>
+          <a:lnRef idx="3">
+            <a:schemeClr val="accent6"/>
+          </a:lnRef>
+          <a:fillRef idx="0">
+            <a:schemeClr val="accent6"/>
+          </a:fillRef>
+          <a:effectRef idx="2">
+            <a:schemeClr val="accent6"/>
+          </a:effectRef>
+          <a:fontRef idx="minor">
+            <a:schemeClr val="tx1"/>
+          </a:fontRef>
+        </p:style>
+      </p:cxnSp>
+      <p:sp>
+        <p:nvSpPr>
+          <p:cNvPr id="7" name="文本框 6"/>
+          <p:cNvSpPr txBox="1"/>
+          <p:nvPr/>
+        </p:nvSpPr>
+        <p:spPr>
+          <a:xfrm>
+            <a:off x="732790" y="2988945"/>
+            <a:ext cx="4064000" cy="365760"/>
+          </a:xfrm>
+          <a:prstGeom prst="rect">
+            <a:avLst/>
+          </a:prstGeom>
+          <a:noFill/>
+        </p:spPr>
+        <p:txBody>
+          <a:bodyPr wrap="square" rtlCol="0">
+            <a:spAutoFit/>
+          </a:bodyPr>
+          <a:p>
+            <a:r>
+              <a:rPr lang="zh-CN" altLang="en-US"/>
+              <a:t>被动使用型道具</a:t>
+            </a:r>
+            <a:endParaRPr lang="zh-CN" altLang="en-US"/>
+          </a:p>
+        </p:txBody>
+      </p:sp>
+      <p:sp>
+        <p:nvSpPr>
+          <p:cNvPr id="8" name="文本框 7"/>
+          <p:cNvSpPr txBox="1"/>
+          <p:nvPr/>
+        </p:nvSpPr>
+        <p:spPr>
+          <a:xfrm>
+            <a:off x="762000" y="2443480"/>
+            <a:ext cx="4845685" cy="322580"/>
+          </a:xfrm>
+          <a:prstGeom prst="rect">
+            <a:avLst/>
+          </a:prstGeom>
+          <a:noFill/>
+        </p:spPr>
+        <p:txBody>
+          <a:bodyPr wrap="square" rtlCol="0">
+            <a:spAutoFit/>
+          </a:bodyPr>
+          <a:p>
+            <a:r>
+              <a:rPr lang="en-US" altLang="zh-CN" sz="1500"/>
+              <a:t>--</a:t>
+            </a:r>
+            <a:r>
+              <a:rPr lang="zh-CN" altLang="en-US" sz="1500"/>
+              <a:t>可主动选择是否使用</a:t>
+            </a:r>
+            <a:endParaRPr lang="zh-CN" altLang="en-US" sz="1500"/>
+          </a:p>
+        </p:txBody>
+      </p:sp>
+      <p:sp>
+        <p:nvSpPr>
+          <p:cNvPr id="10" name="文本框 9"/>
+          <p:cNvSpPr txBox="1"/>
+          <p:nvPr/>
+        </p:nvSpPr>
+        <p:spPr>
+          <a:xfrm>
+            <a:off x="762000" y="3456940"/>
+            <a:ext cx="4845685" cy="322580"/>
+          </a:xfrm>
+          <a:prstGeom prst="rect">
+            <a:avLst/>
+          </a:prstGeom>
+          <a:noFill/>
+        </p:spPr>
+        <p:txBody>
+          <a:bodyPr wrap="square" rtlCol="0">
+            <a:spAutoFit/>
+          </a:bodyPr>
+          <a:p>
+            <a:r>
+              <a:rPr lang="en-US" altLang="zh-CN" sz="1500"/>
+              <a:t>--</a:t>
+            </a:r>
+            <a:r>
+              <a:rPr lang="zh-CN" altLang="en-US" sz="1500"/>
+              <a:t>只能被动使用</a:t>
+            </a:r>
+            <a:endParaRPr lang="zh-CN" altLang="en-US" sz="1500"/>
           </a:p>
         </p:txBody>
       </p:sp>
@@ -3754,7 +4106,7 @@
         <p:spPr>
           <a:xfrm>
             <a:off x="570230" y="427990"/>
-            <a:ext cx="4298315" cy="707886"/>
+            <a:ext cx="4298315" cy="706755"/>
           </a:xfrm>
           <a:prstGeom prst="rect">
             <a:avLst/>
@@ -3767,23 +4119,15 @@
           </a:bodyPr>
           <a:lstStyle/>
           <a:p>
-            <a:r>
-              <a:rPr lang="zh-CN" altLang="en-US" sz="4000" dirty="0">
-                <a:solidFill>
-                  <a:schemeClr val="bg1"/>
-                </a:solidFill>
-              </a:rPr>
-              <a:t>换</a:t>
-            </a:r>
             <a:r>
               <a:rPr lang="zh-CN" altLang="en-US" sz="4000" dirty="0" smtClean="0">
                 <a:solidFill>
                   <a:schemeClr val="bg1"/>
                 </a:solidFill>
               </a:rPr>
-              <a:t>人系统</a:t>
-            </a:r>
-            <a:endParaRPr lang="en-US" altLang="zh-CN" sz="4000" dirty="0" smtClean="0">
+              <a:t>交易系统</a:t>
+            </a:r>
+            <a:endParaRPr lang="zh-CN" altLang="zh-CN" sz="4000" dirty="0">
               <a:solidFill>
                 <a:schemeClr val="bg1"/>
               </a:solidFill>
@@ -3815,15 +4159,177 @@
               <a:rPr lang="zh-CN" altLang="en-US"/>
               <a:t>三人开发小组</a:t>
             </a:r>
+            <a:endParaRPr lang="zh-CN" altLang="en-US"/>
+          </a:p>
+        </p:txBody>
+      </p:sp>
+      <p:sp>
+        <p:nvSpPr>
+          <p:cNvPr id="2" name="文本框 1"/>
+          <p:cNvSpPr txBox="1"/>
+          <p:nvPr/>
+        </p:nvSpPr>
+        <p:spPr>
+          <a:xfrm>
+            <a:off x="665480" y="1405890"/>
+            <a:ext cx="5724525" cy="365760"/>
+          </a:xfrm>
+          <a:prstGeom prst="rect">
+            <a:avLst/>
+          </a:prstGeom>
+          <a:noFill/>
+        </p:spPr>
+        <p:txBody>
+          <a:bodyPr wrap="square" rtlCol="0">
+            <a:spAutoFit/>
+          </a:bodyPr>
+          <a:p>
+            <a:r>
+              <a:rPr lang="zh-CN" altLang="en-US">
+                <a:solidFill>
+                  <a:srgbClr val="00AE66"/>
+                </a:solidFill>
+              </a:rPr>
+              <a:t>设计目的</a:t>
+            </a:r>
+            <a:endParaRPr lang="zh-CN" altLang="en-US">
+              <a:solidFill>
+                <a:srgbClr val="00AE66"/>
+              </a:solidFill>
+            </a:endParaRPr>
+          </a:p>
+        </p:txBody>
+      </p:sp>
+      <p:cxnSp>
+        <p:nvCxnSpPr>
+          <p:cNvPr id="5" name="直接连接符 4"/>
+          <p:cNvCxnSpPr/>
+          <p:nvPr/>
+        </p:nvCxnSpPr>
+        <p:spPr>
+          <a:xfrm>
+            <a:off x="762000" y="1831340"/>
+            <a:ext cx="4092575" cy="0"/>
+          </a:xfrm>
+          <a:prstGeom prst="line">
+            <a:avLst/>
+          </a:prstGeom>
+        </p:spPr>
+        <p:style>
+          <a:lnRef idx="3">
+            <a:schemeClr val="accent6"/>
+          </a:lnRef>
+          <a:fillRef idx="0">
+            <a:schemeClr val="accent6"/>
+          </a:fillRef>
+          <a:effectRef idx="2">
+            <a:schemeClr val="accent6"/>
+          </a:effectRef>
+          <a:fontRef idx="minor">
+            <a:schemeClr val="tx1"/>
+          </a:fontRef>
+        </p:style>
+      </p:cxnSp>
+      <p:sp>
+        <p:nvSpPr>
+          <p:cNvPr id="3" name="文本框 2"/>
+          <p:cNvSpPr txBox="1"/>
+          <p:nvPr/>
+        </p:nvSpPr>
+        <p:spPr>
+          <a:xfrm>
+            <a:off x="732790" y="1956435"/>
+            <a:ext cx="4064000" cy="368300"/>
+          </a:xfrm>
+          <a:prstGeom prst="rect">
+            <a:avLst/>
+          </a:prstGeom>
+          <a:noFill/>
+        </p:spPr>
+        <p:txBody>
+          <a:bodyPr wrap="square" rtlCol="0">
+            <a:spAutoFit/>
+          </a:bodyPr>
+          <a:p>
+            <a:r>
+              <a:rPr lang="en-US" altLang="zh-CN"/>
+              <a:t>1.</a:t>
+            </a:r>
+            <a:r>
+              <a:rPr lang="zh-CN" altLang="en-US"/>
+              <a:t>增加金钱来源</a:t>
+            </a:r>
+            <a:endParaRPr lang="zh-CN" altLang="en-US"/>
+          </a:p>
+        </p:txBody>
+      </p:sp>
+      <p:sp>
+        <p:nvSpPr>
+          <p:cNvPr id="7" name="文本框 6"/>
+          <p:cNvSpPr txBox="1"/>
+          <p:nvPr/>
+        </p:nvSpPr>
+        <p:spPr>
+          <a:xfrm>
+            <a:off x="732790" y="2448560"/>
+            <a:ext cx="4064000" cy="368300"/>
+          </a:xfrm>
+          <a:prstGeom prst="rect">
+            <a:avLst/>
+          </a:prstGeom>
+          <a:noFill/>
+        </p:spPr>
+        <p:txBody>
+          <a:bodyPr wrap="square" rtlCol="0">
+            <a:spAutoFit/>
+          </a:bodyPr>
+          <a:p>
+            <a:r>
+              <a:rPr lang="en-US" altLang="zh-CN"/>
+              <a:t>2.</a:t>
+            </a:r>
+            <a:r>
+              <a:rPr lang="zh-CN" altLang="en-US"/>
+              <a:t>简化道具获取流程</a:t>
+            </a:r>
+            <a:endParaRPr lang="zh-CN" altLang="en-US"/>
+          </a:p>
+        </p:txBody>
+      </p:sp>
+      <p:sp>
+        <p:nvSpPr>
+          <p:cNvPr id="12" name="文本框 11"/>
+          <p:cNvSpPr txBox="1"/>
+          <p:nvPr/>
+        </p:nvSpPr>
+        <p:spPr>
+          <a:xfrm>
+            <a:off x="732790" y="2892425"/>
+            <a:ext cx="4064000" cy="368300"/>
+          </a:xfrm>
+          <a:prstGeom prst="rect">
+            <a:avLst/>
+          </a:prstGeom>
+          <a:noFill/>
+        </p:spPr>
+        <p:txBody>
+          <a:bodyPr wrap="square" rtlCol="0">
+            <a:spAutoFit/>
+          </a:bodyPr>
+          <a:p>
+            <a:r>
+              <a:rPr lang="en-US" altLang="zh-CN"/>
+              <a:t>3.</a:t>
+            </a:r>
+            <a:r>
+              <a:rPr lang="zh-CN" altLang="en-US"/>
+              <a:t>明确道具来源</a:t>
+            </a:r>
+            <a:endParaRPr lang="zh-CN" altLang="en-US"/>
           </a:p>
         </p:txBody>
       </p:sp>
     </p:spTree>
-    <p:extLst>
-      <p:ext uri="{BB962C8B-B14F-4D97-AF65-F5344CB8AC3E}">
-        <p14:creationId xmlns:p14="http://schemas.microsoft.com/office/powerpoint/2010/main" val="3350967928"/>
-      </p:ext>
-    </p:extLst>
   </p:cSld>
   <p:clrMapOvr>
     <a:masterClrMapping/>
@@ -3903,7 +4409,7 @@
         <p:spPr>
           <a:xfrm>
             <a:off x="570230" y="427990"/>
-            <a:ext cx="4298315" cy="707886"/>
+            <a:ext cx="4298315" cy="701040"/>
           </a:xfrm>
           <a:prstGeom prst="rect">
             <a:avLst/>
@@ -3916,21 +4422,13 @@
           </a:bodyPr>
           <a:lstStyle/>
           <a:p>
-            <a:r>
-              <a:rPr lang="zh-CN" altLang="en-US" sz="4000" dirty="0">
-                <a:solidFill>
-                  <a:schemeClr val="bg1"/>
-                </a:solidFill>
-              </a:rPr>
-              <a:t>角</a:t>
-            </a:r>
             <a:r>
               <a:rPr lang="zh-CN" altLang="en-US" sz="4000" dirty="0" smtClean="0">
                 <a:solidFill>
                   <a:schemeClr val="bg1"/>
                 </a:solidFill>
               </a:rPr>
-              <a:t>色日志系统</a:t>
+              <a:t>交易系统</a:t>
             </a:r>
             <a:endParaRPr lang="en-US" altLang="zh-CN" sz="4000" dirty="0" smtClean="0">
               <a:solidFill>
@@ -3964,15 +4462,201 @@
               <a:rPr lang="zh-CN" altLang="en-US"/>
               <a:t>三人开发小组</a:t>
             </a:r>
+            <a:endParaRPr lang="zh-CN" altLang="en-US"/>
+          </a:p>
+        </p:txBody>
+      </p:sp>
+      <p:sp>
+        <p:nvSpPr>
+          <p:cNvPr id="8" name="文本框 7"/>
+          <p:cNvSpPr txBox="1"/>
+          <p:nvPr/>
+        </p:nvSpPr>
+        <p:spPr>
+          <a:xfrm>
+            <a:off x="576580" y="1357630"/>
+            <a:ext cx="5724525" cy="365760"/>
+          </a:xfrm>
+          <a:prstGeom prst="rect">
+            <a:avLst/>
+          </a:prstGeom>
+          <a:noFill/>
+        </p:spPr>
+        <p:txBody>
+          <a:bodyPr wrap="square" rtlCol="0">
+            <a:spAutoFit/>
+          </a:bodyPr>
+          <a:p>
+            <a:r>
+              <a:rPr lang="zh-CN" altLang="en-US">
+                <a:solidFill>
+                  <a:srgbClr val="00AE66"/>
+                </a:solidFill>
+              </a:rPr>
+              <a:t>系统说明</a:t>
+            </a:r>
+            <a:endParaRPr lang="zh-CN" altLang="en-US">
+              <a:solidFill>
+                <a:srgbClr val="00AE66"/>
+              </a:solidFill>
+            </a:endParaRPr>
+          </a:p>
+        </p:txBody>
+      </p:sp>
+      <p:cxnSp>
+        <p:nvCxnSpPr>
+          <p:cNvPr id="10" name="直接连接符 9"/>
+          <p:cNvCxnSpPr/>
+          <p:nvPr/>
+        </p:nvCxnSpPr>
+        <p:spPr>
+          <a:xfrm>
+            <a:off x="673100" y="1783080"/>
+            <a:ext cx="4092575" cy="0"/>
+          </a:xfrm>
+          <a:prstGeom prst="line">
+            <a:avLst/>
+          </a:prstGeom>
+        </p:spPr>
+        <p:style>
+          <a:lnRef idx="3">
+            <a:schemeClr val="accent6"/>
+          </a:lnRef>
+          <a:fillRef idx="0">
+            <a:schemeClr val="accent6"/>
+          </a:fillRef>
+          <a:effectRef idx="2">
+            <a:schemeClr val="accent6"/>
+          </a:effectRef>
+          <a:fontRef idx="minor">
+            <a:schemeClr val="tx1"/>
+          </a:fontRef>
+        </p:style>
+      </p:cxnSp>
+      <p:sp>
+        <p:nvSpPr>
+          <p:cNvPr id="11" name="文本框 10"/>
+          <p:cNvSpPr txBox="1"/>
+          <p:nvPr/>
+        </p:nvSpPr>
+        <p:spPr>
+          <a:xfrm>
+            <a:off x="673100" y="1908175"/>
+            <a:ext cx="8677910" cy="368300"/>
+          </a:xfrm>
+          <a:prstGeom prst="rect">
+            <a:avLst/>
+          </a:prstGeom>
+          <a:noFill/>
+        </p:spPr>
+        <p:txBody>
+          <a:bodyPr wrap="square" rtlCol="0">
+            <a:spAutoFit/>
+          </a:bodyPr>
+          <a:p>
+            <a:r>
+              <a:rPr lang="en-US" altLang="zh-CN"/>
+              <a:t>1.</a:t>
+            </a:r>
+            <a:r>
+              <a:rPr lang="zh-CN" altLang="en-US"/>
+              <a:t>指定</a:t>
+            </a:r>
+            <a:r>
+              <a:rPr lang="en-US" altLang="zh-CN"/>
+              <a:t>NPC</a:t>
+            </a:r>
+            <a:r>
+              <a:rPr lang="zh-CN" altLang="en-US"/>
+              <a:t>负责交易，玩家可以通过变卖道具获得金钱，也可以通过购买，获得道具</a:t>
+            </a:r>
+            <a:endParaRPr lang="zh-CN" altLang="en-US"/>
+          </a:p>
+        </p:txBody>
+      </p:sp>
+      <p:sp>
+        <p:nvSpPr>
+          <p:cNvPr id="2" name="文本框 1"/>
+          <p:cNvSpPr txBox="1"/>
+          <p:nvPr/>
+        </p:nvSpPr>
+        <p:spPr>
+          <a:xfrm>
+            <a:off x="673100" y="2343150"/>
+            <a:ext cx="8677910" cy="368300"/>
+          </a:xfrm>
+          <a:prstGeom prst="rect">
+            <a:avLst/>
+          </a:prstGeom>
+          <a:noFill/>
+        </p:spPr>
+        <p:txBody>
+          <a:bodyPr wrap="square" rtlCol="0">
+            <a:spAutoFit/>
+          </a:bodyPr>
+          <a:p>
+            <a:r>
+              <a:rPr lang="en-US" altLang="zh-CN"/>
+              <a:t>2.</a:t>
+            </a:r>
+            <a:r>
+              <a:rPr lang="zh-CN" altLang="en-US"/>
+              <a:t>玩家可以与其他</a:t>
+            </a:r>
+            <a:r>
+              <a:rPr lang="en-US" altLang="zh-CN"/>
+              <a:t>NPC</a:t>
+            </a:r>
+            <a:r>
+              <a:rPr lang="zh-CN" altLang="en-US"/>
+              <a:t>以物换物，交换道具</a:t>
+            </a:r>
+            <a:endParaRPr lang="zh-CN" altLang="en-US"/>
+          </a:p>
+        </p:txBody>
+      </p:sp>
+      <p:sp>
+        <p:nvSpPr>
+          <p:cNvPr id="3" name="文本框 2"/>
+          <p:cNvSpPr txBox="1"/>
+          <p:nvPr/>
+        </p:nvSpPr>
+        <p:spPr>
+          <a:xfrm>
+            <a:off x="673100" y="2816225"/>
+            <a:ext cx="8677910" cy="368300"/>
+          </a:xfrm>
+          <a:prstGeom prst="rect">
+            <a:avLst/>
+          </a:prstGeom>
+          <a:noFill/>
+        </p:spPr>
+        <p:txBody>
+          <a:bodyPr wrap="square" rtlCol="0">
+            <a:spAutoFit/>
+          </a:bodyPr>
+          <a:p>
+            <a:r>
+              <a:rPr lang="en-US" altLang="zh-CN"/>
+              <a:t>3.</a:t>
+            </a:r>
+            <a:r>
+              <a:rPr lang="zh-CN" altLang="en-US"/>
+              <a:t>交易内容不见限于道具，也可以与指定</a:t>
+            </a:r>
+            <a:r>
+              <a:rPr lang="en-US" altLang="zh-CN"/>
+              <a:t>NPC</a:t>
+            </a:r>
+            <a:r>
+              <a:rPr lang="zh-CN" altLang="en-US"/>
+              <a:t>购买信息</a:t>
+            </a:r>
+            <a:endParaRPr lang="zh-CN" altLang="en-US"/>
           </a:p>
         </p:txBody>
       </p:sp>
     </p:spTree>
-    <p:extLst>
-      <p:ext uri="{BB962C8B-B14F-4D97-AF65-F5344CB8AC3E}">
-        <p14:creationId xmlns:p14="http://schemas.microsoft.com/office/powerpoint/2010/main" val="910871245"/>
-      </p:ext>
-    </p:extLst>
   </p:cSld>
   <p:clrMapOvr>
     <a:masterClrMapping/>
@@ -4105,15 +4789,741 @@
               <a:rPr lang="zh-CN" altLang="en-US"/>
               <a:t>三人开发小组</a:t>
             </a:r>
+            <a:endParaRPr lang="zh-CN" altLang="en-US"/>
+          </a:p>
+        </p:txBody>
+      </p:sp>
+      <p:sp>
+        <p:nvSpPr>
+          <p:cNvPr id="2" name="文本框 1"/>
+          <p:cNvSpPr txBox="1"/>
+          <p:nvPr/>
+        </p:nvSpPr>
+        <p:spPr>
+          <a:xfrm>
+            <a:off x="665480" y="1405890"/>
+            <a:ext cx="5724525" cy="365760"/>
+          </a:xfrm>
+          <a:prstGeom prst="rect">
+            <a:avLst/>
+          </a:prstGeom>
+          <a:noFill/>
+        </p:spPr>
+        <p:txBody>
+          <a:bodyPr wrap="square" rtlCol="0">
+            <a:spAutoFit/>
+          </a:bodyPr>
+          <a:p>
+            <a:r>
+              <a:rPr lang="zh-CN" altLang="en-US">
+                <a:solidFill>
+                  <a:srgbClr val="00AE66"/>
+                </a:solidFill>
+              </a:rPr>
+              <a:t>设计目的</a:t>
+            </a:r>
+            <a:endParaRPr lang="zh-CN" altLang="en-US">
+              <a:solidFill>
+                <a:srgbClr val="00AE66"/>
+              </a:solidFill>
+            </a:endParaRPr>
+          </a:p>
+        </p:txBody>
+      </p:sp>
+      <p:cxnSp>
+        <p:nvCxnSpPr>
+          <p:cNvPr id="5" name="直接连接符 4"/>
+          <p:cNvCxnSpPr/>
+          <p:nvPr/>
+        </p:nvCxnSpPr>
+        <p:spPr>
+          <a:xfrm>
+            <a:off x="762000" y="1831340"/>
+            <a:ext cx="4092575" cy="0"/>
+          </a:xfrm>
+          <a:prstGeom prst="line">
+            <a:avLst/>
+          </a:prstGeom>
+        </p:spPr>
+        <p:style>
+          <a:lnRef idx="3">
+            <a:schemeClr val="accent6"/>
+          </a:lnRef>
+          <a:fillRef idx="0">
+            <a:schemeClr val="accent6"/>
+          </a:fillRef>
+          <a:effectRef idx="2">
+            <a:schemeClr val="accent6"/>
+          </a:effectRef>
+          <a:fontRef idx="minor">
+            <a:schemeClr val="tx1"/>
+          </a:fontRef>
+        </p:style>
+      </p:cxnSp>
+      <p:sp>
+        <p:nvSpPr>
+          <p:cNvPr id="3" name="文本框 2"/>
+          <p:cNvSpPr txBox="1"/>
+          <p:nvPr/>
+        </p:nvSpPr>
+        <p:spPr>
+          <a:xfrm>
+            <a:off x="762000" y="1985645"/>
+            <a:ext cx="3716655" cy="368300"/>
+          </a:xfrm>
+          <a:prstGeom prst="rect">
+            <a:avLst/>
+          </a:prstGeom>
+          <a:noFill/>
+        </p:spPr>
+        <p:txBody>
+          <a:bodyPr wrap="square" rtlCol="0">
+            <a:spAutoFit/>
+          </a:bodyPr>
+          <a:p>
+            <a:r>
+              <a:rPr lang="en-US" altLang="zh-CN"/>
+              <a:t>1.</a:t>
+            </a:r>
+            <a:r>
+              <a:rPr lang="zh-CN" altLang="en-US"/>
+              <a:t>刺激玩家收集欲</a:t>
+            </a:r>
+            <a:endParaRPr lang="zh-CN" altLang="en-US"/>
+          </a:p>
+        </p:txBody>
+      </p:sp>
+      <p:sp>
+        <p:nvSpPr>
+          <p:cNvPr id="7" name="文本框 6"/>
+          <p:cNvSpPr txBox="1"/>
+          <p:nvPr/>
+        </p:nvSpPr>
+        <p:spPr>
+          <a:xfrm>
+            <a:off x="762000" y="2506980"/>
+            <a:ext cx="3716655" cy="368300"/>
+          </a:xfrm>
+          <a:prstGeom prst="rect">
+            <a:avLst/>
+          </a:prstGeom>
+          <a:noFill/>
+        </p:spPr>
+        <p:txBody>
+          <a:bodyPr wrap="square" rtlCol="0">
+            <a:spAutoFit/>
+          </a:bodyPr>
+          <a:p>
+            <a:r>
+              <a:rPr lang="en-US" altLang="zh-CN"/>
+              <a:t>2.</a:t>
+            </a:r>
+            <a:r>
+              <a:rPr lang="zh-CN" altLang="en-US"/>
+              <a:t>引导玩家探索游戏</a:t>
+            </a:r>
+            <a:endParaRPr lang="zh-CN" altLang="en-US"/>
+          </a:p>
+        </p:txBody>
+      </p:sp>
+      <p:sp>
+        <p:nvSpPr>
+          <p:cNvPr id="8" name="文本框 7"/>
+          <p:cNvSpPr txBox="1"/>
+          <p:nvPr/>
+        </p:nvSpPr>
+        <p:spPr>
+          <a:xfrm>
+            <a:off x="762000" y="3028315"/>
+            <a:ext cx="3716655" cy="368300"/>
+          </a:xfrm>
+          <a:prstGeom prst="rect">
+            <a:avLst/>
+          </a:prstGeom>
+          <a:noFill/>
+        </p:spPr>
+        <p:txBody>
+          <a:bodyPr wrap="square" rtlCol="0">
+            <a:spAutoFit/>
+          </a:bodyPr>
+          <a:p>
+            <a:r>
+              <a:rPr lang="en-US" altLang="zh-CN"/>
+              <a:t>3.</a:t>
+            </a:r>
+            <a:r>
+              <a:rPr lang="zh-CN" altLang="en-US"/>
+              <a:t>增加游戏时长</a:t>
+            </a:r>
+            <a:endParaRPr lang="zh-CN" altLang="en-US"/>
           </a:p>
         </p:txBody>
       </p:sp>
     </p:spTree>
-    <p:extLst>
-      <p:ext uri="{BB962C8B-B14F-4D97-AF65-F5344CB8AC3E}">
-        <p14:creationId xmlns:p14="http://schemas.microsoft.com/office/powerpoint/2010/main" val="3133105170"/>
-      </p:ext>
-    </p:extLst>
+  </p:cSld>
+  <p:clrMapOvr>
+    <a:masterClrMapping/>
+  </p:clrMapOvr>
+</p:sld>
+</file>
+
+<file path=ppt/slides/slide7.xml><?xml version="1.0" encoding="utf-8"?>
+<p:sld xmlns:a="http://schemas.openxmlformats.org/drawingml/2006/main" xmlns:r="http://schemas.openxmlformats.org/officeDocument/2006/relationships" xmlns:p="http://schemas.openxmlformats.org/presentationml/2006/main">
+  <p:cSld>
+    <p:spTree>
+      <p:nvGrpSpPr>
+        <p:cNvPr id="1" name=""/>
+        <p:cNvGrpSpPr/>
+        <p:nvPr/>
+      </p:nvGrpSpPr>
+      <p:grpSpPr>
+        <a:xfrm>
+          <a:off x="0" y="0"/>
+          <a:ext cx="0" cy="0"/>
+          <a:chOff x="0" y="0"/>
+          <a:chExt cx="0" cy="0"/>
+        </a:xfrm>
+      </p:grpSpPr>
+      <p:sp>
+        <p:nvSpPr>
+          <p:cNvPr id="6" name="矩形 5"/>
+          <p:cNvSpPr/>
+          <p:nvPr/>
+        </p:nvSpPr>
+        <p:spPr>
+          <a:xfrm>
+            <a:off x="0" y="333375"/>
+            <a:ext cx="12192000" cy="900430"/>
+          </a:xfrm>
+          <a:prstGeom prst="rect">
+            <a:avLst/>
+          </a:prstGeom>
+          <a:solidFill>
+            <a:srgbClr val="00AE66"/>
+          </a:solidFill>
+          <a:ln>
+            <a:noFill/>
+          </a:ln>
+        </p:spPr>
+        <p:style>
+          <a:lnRef idx="2">
+            <a:schemeClr val="accent1">
+              <a:shade val="50000"/>
+            </a:schemeClr>
+          </a:lnRef>
+          <a:fillRef idx="1">
+            <a:schemeClr val="accent1"/>
+          </a:fillRef>
+          <a:effectRef idx="0">
+            <a:schemeClr val="accent1"/>
+          </a:effectRef>
+          <a:fontRef idx="minor">
+            <a:schemeClr val="lt1"/>
+          </a:fontRef>
+        </p:style>
+        <p:txBody>
+          <a:bodyPr rtlCol="0" anchor="ctr"/>
+          <a:lstStyle/>
+          <a:p>
+            <a:pPr algn="ctr"/>
+            <a:endParaRPr lang="zh-CN" altLang="en-US"/>
+          </a:p>
+        </p:txBody>
+      </p:sp>
+      <p:sp>
+        <p:nvSpPr>
+          <p:cNvPr id="4" name="文本框 3"/>
+          <p:cNvSpPr txBox="1"/>
+          <p:nvPr/>
+        </p:nvSpPr>
+        <p:spPr>
+          <a:xfrm>
+            <a:off x="570230" y="427990"/>
+            <a:ext cx="4298315" cy="707886"/>
+          </a:xfrm>
+          <a:prstGeom prst="rect">
+            <a:avLst/>
+          </a:prstGeom>
+          <a:noFill/>
+        </p:spPr>
+        <p:txBody>
+          <a:bodyPr wrap="square" rtlCol="0">
+            <a:spAutoFit/>
+          </a:bodyPr>
+          <a:lstStyle/>
+          <a:p>
+            <a:r>
+              <a:rPr lang="zh-CN" altLang="en-US" sz="4000" dirty="0">
+                <a:solidFill>
+                  <a:schemeClr val="bg1"/>
+                </a:solidFill>
+              </a:rPr>
+              <a:t>角</a:t>
+            </a:r>
+            <a:r>
+              <a:rPr lang="zh-CN" altLang="en-US" sz="4000" dirty="0" smtClean="0">
+                <a:solidFill>
+                  <a:schemeClr val="bg1"/>
+                </a:solidFill>
+              </a:rPr>
+              <a:t>色日志系统</a:t>
+            </a:r>
+            <a:endParaRPr lang="en-US" altLang="zh-CN" sz="4000" dirty="0" smtClean="0">
+              <a:solidFill>
+                <a:schemeClr val="bg1"/>
+              </a:solidFill>
+            </a:endParaRPr>
+          </a:p>
+        </p:txBody>
+      </p:sp>
+      <p:sp>
+        <p:nvSpPr>
+          <p:cNvPr id="9" name="页脚占位符 8"/>
+          <p:cNvSpPr>
+            <a:spLocks noGrp="1"/>
+          </p:cNvSpPr>
+          <p:nvPr>
+            <p:ph type="ftr" sz="quarter" idx="11"/>
+          </p:nvPr>
+        </p:nvSpPr>
+        <p:spPr>
+          <a:xfrm>
+            <a:off x="10880090" y="6596380"/>
+            <a:ext cx="1311910" cy="245110"/>
+          </a:xfrm>
+        </p:spPr>
+        <p:txBody>
+          <a:bodyPr/>
+          <a:lstStyle/>
+          <a:p>
+            <a:r>
+              <a:rPr lang="zh-CN" altLang="en-US"/>
+              <a:t>三人开发小组</a:t>
+            </a:r>
+            <a:endParaRPr lang="zh-CN" altLang="en-US"/>
+          </a:p>
+        </p:txBody>
+      </p:sp>
+      <p:sp>
+        <p:nvSpPr>
+          <p:cNvPr id="2" name="文本框 1"/>
+          <p:cNvSpPr txBox="1"/>
+          <p:nvPr/>
+        </p:nvSpPr>
+        <p:spPr>
+          <a:xfrm>
+            <a:off x="665480" y="1405890"/>
+            <a:ext cx="5724525" cy="365760"/>
+          </a:xfrm>
+          <a:prstGeom prst="rect">
+            <a:avLst/>
+          </a:prstGeom>
+          <a:noFill/>
+        </p:spPr>
+        <p:txBody>
+          <a:bodyPr wrap="square" rtlCol="0">
+            <a:spAutoFit/>
+          </a:bodyPr>
+          <a:p>
+            <a:r>
+              <a:rPr lang="zh-CN" altLang="en-US">
+                <a:solidFill>
+                  <a:srgbClr val="00AE66"/>
+                </a:solidFill>
+              </a:rPr>
+              <a:t>设计目的</a:t>
+            </a:r>
+            <a:endParaRPr lang="zh-CN" altLang="en-US">
+              <a:solidFill>
+                <a:srgbClr val="00AE66"/>
+              </a:solidFill>
+            </a:endParaRPr>
+          </a:p>
+        </p:txBody>
+      </p:sp>
+      <p:cxnSp>
+        <p:nvCxnSpPr>
+          <p:cNvPr id="5" name="直接连接符 4"/>
+          <p:cNvCxnSpPr/>
+          <p:nvPr/>
+        </p:nvCxnSpPr>
+        <p:spPr>
+          <a:xfrm>
+            <a:off x="762000" y="1831340"/>
+            <a:ext cx="4092575" cy="0"/>
+          </a:xfrm>
+          <a:prstGeom prst="line">
+            <a:avLst/>
+          </a:prstGeom>
+        </p:spPr>
+        <p:style>
+          <a:lnRef idx="3">
+            <a:schemeClr val="accent6"/>
+          </a:lnRef>
+          <a:fillRef idx="0">
+            <a:schemeClr val="accent6"/>
+          </a:fillRef>
+          <a:effectRef idx="2">
+            <a:schemeClr val="accent6"/>
+          </a:effectRef>
+          <a:fontRef idx="minor">
+            <a:schemeClr val="tx1"/>
+          </a:fontRef>
+        </p:style>
+      </p:cxnSp>
+      <p:sp>
+        <p:nvSpPr>
+          <p:cNvPr id="3" name="文本框 2"/>
+          <p:cNvSpPr txBox="1"/>
+          <p:nvPr/>
+        </p:nvSpPr>
+        <p:spPr>
+          <a:xfrm>
+            <a:off x="732790" y="2014220"/>
+            <a:ext cx="4044315" cy="368300"/>
+          </a:xfrm>
+          <a:prstGeom prst="rect">
+            <a:avLst/>
+          </a:prstGeom>
+          <a:noFill/>
+        </p:spPr>
+        <p:txBody>
+          <a:bodyPr wrap="square" rtlCol="0">
+            <a:spAutoFit/>
+          </a:bodyPr>
+          <a:p>
+            <a:r>
+              <a:rPr lang="en-US" altLang="zh-CN"/>
+              <a:t>1.</a:t>
+            </a:r>
+            <a:r>
+              <a:rPr lang="zh-CN" altLang="en-US"/>
+              <a:t>记录角色信息，丰富游戏世界观</a:t>
+            </a:r>
+            <a:endParaRPr lang="zh-CN" altLang="en-US"/>
+          </a:p>
+        </p:txBody>
+      </p:sp>
+      <p:sp>
+        <p:nvSpPr>
+          <p:cNvPr id="7" name="文本框 6"/>
+          <p:cNvSpPr txBox="1"/>
+          <p:nvPr/>
+        </p:nvSpPr>
+        <p:spPr>
+          <a:xfrm>
+            <a:off x="732790" y="2458085"/>
+            <a:ext cx="4044315" cy="368300"/>
+          </a:xfrm>
+          <a:prstGeom prst="rect">
+            <a:avLst/>
+          </a:prstGeom>
+          <a:noFill/>
+        </p:spPr>
+        <p:txBody>
+          <a:bodyPr wrap="square" rtlCol="0">
+            <a:spAutoFit/>
+          </a:bodyPr>
+          <a:p>
+            <a:r>
+              <a:rPr lang="en-US" altLang="zh-CN"/>
+              <a:t>2.</a:t>
+            </a:r>
+            <a:r>
+              <a:rPr lang="zh-CN" altLang="en-US"/>
+              <a:t>角色信息提供玩家判断依据</a:t>
+            </a:r>
+            <a:endParaRPr lang="zh-CN" altLang="en-US"/>
+          </a:p>
+        </p:txBody>
+      </p:sp>
+    </p:spTree>
+  </p:cSld>
+  <p:clrMapOvr>
+    <a:masterClrMapping/>
+  </p:clrMapOvr>
+</p:sld>
+</file>
+
+<file path=ppt/slides/slide8.xml><?xml version="1.0" encoding="utf-8"?>
+<p:sld xmlns:a="http://schemas.openxmlformats.org/drawingml/2006/main" xmlns:r="http://schemas.openxmlformats.org/officeDocument/2006/relationships" xmlns:p="http://schemas.openxmlformats.org/presentationml/2006/main">
+  <p:cSld>
+    <p:spTree>
+      <p:nvGrpSpPr>
+        <p:cNvPr id="1" name=""/>
+        <p:cNvGrpSpPr/>
+        <p:nvPr/>
+      </p:nvGrpSpPr>
+      <p:grpSpPr>
+        <a:xfrm>
+          <a:off x="0" y="0"/>
+          <a:ext cx="0" cy="0"/>
+          <a:chOff x="0" y="0"/>
+          <a:chExt cx="0" cy="0"/>
+        </a:xfrm>
+      </p:grpSpPr>
+      <p:sp>
+        <p:nvSpPr>
+          <p:cNvPr id="6" name="矩形 5"/>
+          <p:cNvSpPr/>
+          <p:nvPr/>
+        </p:nvSpPr>
+        <p:spPr>
+          <a:xfrm>
+            <a:off x="0" y="333375"/>
+            <a:ext cx="12192000" cy="900430"/>
+          </a:xfrm>
+          <a:prstGeom prst="rect">
+            <a:avLst/>
+          </a:prstGeom>
+          <a:solidFill>
+            <a:srgbClr val="00AE66"/>
+          </a:solidFill>
+          <a:ln>
+            <a:noFill/>
+          </a:ln>
+        </p:spPr>
+        <p:style>
+          <a:lnRef idx="2">
+            <a:schemeClr val="accent1">
+              <a:shade val="50000"/>
+            </a:schemeClr>
+          </a:lnRef>
+          <a:fillRef idx="1">
+            <a:schemeClr val="accent1"/>
+          </a:fillRef>
+          <a:effectRef idx="0">
+            <a:schemeClr val="accent1"/>
+          </a:effectRef>
+          <a:fontRef idx="minor">
+            <a:schemeClr val="lt1"/>
+          </a:fontRef>
+        </p:style>
+        <p:txBody>
+          <a:bodyPr rtlCol="0" anchor="ctr"/>
+          <a:lstStyle/>
+          <a:p>
+            <a:pPr algn="ctr"/>
+            <a:endParaRPr lang="zh-CN" altLang="en-US"/>
+          </a:p>
+        </p:txBody>
+      </p:sp>
+      <p:sp>
+        <p:nvSpPr>
+          <p:cNvPr id="4" name="文本框 3"/>
+          <p:cNvSpPr txBox="1"/>
+          <p:nvPr/>
+        </p:nvSpPr>
+        <p:spPr>
+          <a:xfrm>
+            <a:off x="570230" y="427990"/>
+            <a:ext cx="4298315" cy="707886"/>
+          </a:xfrm>
+          <a:prstGeom prst="rect">
+            <a:avLst/>
+          </a:prstGeom>
+          <a:noFill/>
+        </p:spPr>
+        <p:txBody>
+          <a:bodyPr wrap="square" rtlCol="0">
+            <a:spAutoFit/>
+          </a:bodyPr>
+          <a:lstStyle/>
+          <a:p>
+            <a:r>
+              <a:rPr lang="zh-CN" altLang="en-US" sz="4000" dirty="0">
+                <a:solidFill>
+                  <a:schemeClr val="bg1"/>
+                </a:solidFill>
+              </a:rPr>
+              <a:t>换</a:t>
+            </a:r>
+            <a:r>
+              <a:rPr lang="zh-CN" altLang="en-US" sz="4000" dirty="0" smtClean="0">
+                <a:solidFill>
+                  <a:schemeClr val="bg1"/>
+                </a:solidFill>
+              </a:rPr>
+              <a:t>人系统</a:t>
+            </a:r>
+            <a:endParaRPr lang="en-US" altLang="zh-CN" sz="4000" dirty="0" smtClean="0">
+              <a:solidFill>
+                <a:schemeClr val="bg1"/>
+              </a:solidFill>
+            </a:endParaRPr>
+          </a:p>
+        </p:txBody>
+      </p:sp>
+      <p:sp>
+        <p:nvSpPr>
+          <p:cNvPr id="9" name="页脚占位符 8"/>
+          <p:cNvSpPr>
+            <a:spLocks noGrp="1"/>
+          </p:cNvSpPr>
+          <p:nvPr>
+            <p:ph type="ftr" sz="quarter" idx="11"/>
+          </p:nvPr>
+        </p:nvSpPr>
+        <p:spPr>
+          <a:xfrm>
+            <a:off x="10880090" y="6596380"/>
+            <a:ext cx="1311910" cy="245110"/>
+          </a:xfrm>
+        </p:spPr>
+        <p:txBody>
+          <a:bodyPr/>
+          <a:lstStyle/>
+          <a:p>
+            <a:r>
+              <a:rPr lang="zh-CN" altLang="en-US"/>
+              <a:t>三人开发小组</a:t>
+            </a:r>
+            <a:endParaRPr lang="zh-CN" altLang="en-US"/>
+          </a:p>
+        </p:txBody>
+      </p:sp>
+      <p:sp>
+        <p:nvSpPr>
+          <p:cNvPr id="2" name="文本框 1"/>
+          <p:cNvSpPr txBox="1"/>
+          <p:nvPr/>
+        </p:nvSpPr>
+        <p:spPr>
+          <a:xfrm>
+            <a:off x="665480" y="1405890"/>
+            <a:ext cx="5724525" cy="365760"/>
+          </a:xfrm>
+          <a:prstGeom prst="rect">
+            <a:avLst/>
+          </a:prstGeom>
+          <a:noFill/>
+        </p:spPr>
+        <p:txBody>
+          <a:bodyPr wrap="square" rtlCol="0">
+            <a:spAutoFit/>
+          </a:bodyPr>
+          <a:p>
+            <a:r>
+              <a:rPr lang="zh-CN" altLang="en-US">
+                <a:solidFill>
+                  <a:srgbClr val="00AE66"/>
+                </a:solidFill>
+              </a:rPr>
+              <a:t>设计目的</a:t>
+            </a:r>
+            <a:endParaRPr lang="zh-CN" altLang="en-US">
+              <a:solidFill>
+                <a:srgbClr val="00AE66"/>
+              </a:solidFill>
+            </a:endParaRPr>
+          </a:p>
+        </p:txBody>
+      </p:sp>
+      <p:cxnSp>
+        <p:nvCxnSpPr>
+          <p:cNvPr id="5" name="直接连接符 4"/>
+          <p:cNvCxnSpPr/>
+          <p:nvPr/>
+        </p:nvCxnSpPr>
+        <p:spPr>
+          <a:xfrm>
+            <a:off x="762000" y="1831340"/>
+            <a:ext cx="4092575" cy="0"/>
+          </a:xfrm>
+          <a:prstGeom prst="line">
+            <a:avLst/>
+          </a:prstGeom>
+        </p:spPr>
+        <p:style>
+          <a:lnRef idx="3">
+            <a:schemeClr val="accent6"/>
+          </a:lnRef>
+          <a:fillRef idx="0">
+            <a:schemeClr val="accent6"/>
+          </a:fillRef>
+          <a:effectRef idx="2">
+            <a:schemeClr val="accent6"/>
+          </a:effectRef>
+          <a:fontRef idx="minor">
+            <a:schemeClr val="tx1"/>
+          </a:fontRef>
+        </p:style>
+      </p:cxnSp>
+      <p:sp>
+        <p:nvSpPr>
+          <p:cNvPr id="3" name="文本框 2"/>
+          <p:cNvSpPr txBox="1"/>
+          <p:nvPr/>
+        </p:nvSpPr>
+        <p:spPr>
+          <a:xfrm>
+            <a:off x="732790" y="2014220"/>
+            <a:ext cx="4044315" cy="368300"/>
+          </a:xfrm>
+          <a:prstGeom prst="rect">
+            <a:avLst/>
+          </a:prstGeom>
+          <a:noFill/>
+        </p:spPr>
+        <p:txBody>
+          <a:bodyPr wrap="square" rtlCol="0">
+            <a:spAutoFit/>
+          </a:bodyPr>
+          <a:p>
+            <a:r>
+              <a:rPr lang="en-US" altLang="zh-CN"/>
+              <a:t> 1.</a:t>
+            </a:r>
+            <a:r>
+              <a:rPr lang="zh-CN" altLang="en-US"/>
+              <a:t>避免游戏单调，增加多样化</a:t>
+            </a:r>
+            <a:endParaRPr lang="zh-CN" altLang="en-US"/>
+          </a:p>
+        </p:txBody>
+      </p:sp>
+      <p:sp>
+        <p:nvSpPr>
+          <p:cNvPr id="7" name="文本框 6"/>
+          <p:cNvSpPr txBox="1"/>
+          <p:nvPr/>
+        </p:nvSpPr>
+        <p:spPr>
+          <a:xfrm>
+            <a:off x="732790" y="2526030"/>
+            <a:ext cx="4044315" cy="368300"/>
+          </a:xfrm>
+          <a:prstGeom prst="rect">
+            <a:avLst/>
+          </a:prstGeom>
+          <a:noFill/>
+        </p:spPr>
+        <p:txBody>
+          <a:bodyPr wrap="square" rtlCol="0">
+            <a:spAutoFit/>
+          </a:bodyPr>
+          <a:p>
+            <a:r>
+              <a:rPr lang="en-US" altLang="zh-CN"/>
+              <a:t> </a:t>
+            </a:r>
+            <a:r>
+              <a:rPr lang="en-US"/>
+              <a:t>2.</a:t>
+            </a:r>
+            <a:r>
+              <a:rPr lang="zh-CN" altLang="en-US"/>
+              <a:t>尽量复用</a:t>
+            </a:r>
+            <a:r>
+              <a:rPr lang="en-US" altLang="zh-CN"/>
+              <a:t>NPC</a:t>
+            </a:r>
+            <a:endParaRPr lang="en-US" altLang="zh-CN"/>
+          </a:p>
+        </p:txBody>
+      </p:sp>
+    </p:spTree>
   </p:cSld>
   <p:clrMapOvr>
     <a:masterClrMapping/>

--- a/系统.pptx
+++ b/系统.pptx
@@ -5,7 +5,7 @@
     <p:sldMasterId id="2147483648" r:id="rId1"/>
   </p:sldMasterIdLst>
   <p:notesMasterIdLst>
-    <p:notesMasterId r:id="rId11"/>
+    <p:notesMasterId r:id="rId12"/>
   </p:notesMasterIdLst>
   <p:sldIdLst>
     <p:sldId id="256" r:id="rId3"/>
@@ -16,6 +16,7 @@
     <p:sldId id="260" r:id="rId8"/>
     <p:sldId id="258" r:id="rId9"/>
     <p:sldId id="265" r:id="rId10"/>
+    <p:sldId id="270" r:id="rId11"/>
   </p:sldIdLst>
   <p:sldSz cx="12192000" cy="6858000"/>
   <p:notesSz cx="6858000" cy="9144000"/>
@@ -5520,6 +5521,317 @@
               <a:t>NPC</a:t>
             </a:r>
             <a:endParaRPr lang="en-US" altLang="zh-CN"/>
+          </a:p>
+        </p:txBody>
+      </p:sp>
+    </p:spTree>
+  </p:cSld>
+  <p:clrMapOvr>
+    <a:masterClrMapping/>
+  </p:clrMapOvr>
+</p:sld>
+</file>
+
+<file path=ppt/slides/slide9.xml><?xml version="1.0" encoding="utf-8"?>
+<p:sld xmlns:a="http://schemas.openxmlformats.org/drawingml/2006/main" xmlns:r="http://schemas.openxmlformats.org/officeDocument/2006/relationships" xmlns:p="http://schemas.openxmlformats.org/presentationml/2006/main">
+  <p:cSld>
+    <p:spTree>
+      <p:nvGrpSpPr>
+        <p:cNvPr id="1" name=""/>
+        <p:cNvGrpSpPr/>
+        <p:nvPr/>
+      </p:nvGrpSpPr>
+      <p:grpSpPr>
+        <a:xfrm>
+          <a:off x="0" y="0"/>
+          <a:ext cx="0" cy="0"/>
+          <a:chOff x="0" y="0"/>
+          <a:chExt cx="0" cy="0"/>
+        </a:xfrm>
+      </p:grpSpPr>
+      <p:sp>
+        <p:nvSpPr>
+          <p:cNvPr id="6" name="矩形 5"/>
+          <p:cNvSpPr/>
+          <p:nvPr/>
+        </p:nvSpPr>
+        <p:spPr>
+          <a:xfrm>
+            <a:off x="0" y="333375"/>
+            <a:ext cx="12192000" cy="900430"/>
+          </a:xfrm>
+          <a:prstGeom prst="rect">
+            <a:avLst/>
+          </a:prstGeom>
+          <a:solidFill>
+            <a:srgbClr val="00AE66"/>
+          </a:solidFill>
+          <a:ln>
+            <a:noFill/>
+          </a:ln>
+        </p:spPr>
+        <p:style>
+          <a:lnRef idx="2">
+            <a:schemeClr val="accent1">
+              <a:shade val="50000"/>
+            </a:schemeClr>
+          </a:lnRef>
+          <a:fillRef idx="1">
+            <a:schemeClr val="accent1"/>
+          </a:fillRef>
+          <a:effectRef idx="0">
+            <a:schemeClr val="accent1"/>
+          </a:effectRef>
+          <a:fontRef idx="minor">
+            <a:schemeClr val="lt1"/>
+          </a:fontRef>
+        </p:style>
+        <p:txBody>
+          <a:bodyPr rtlCol="0" anchor="ctr"/>
+          <a:lstStyle/>
+          <a:p>
+            <a:pPr algn="ctr"/>
+            <a:endParaRPr lang="zh-CN" altLang="en-US"/>
+          </a:p>
+        </p:txBody>
+      </p:sp>
+      <p:sp>
+        <p:nvSpPr>
+          <p:cNvPr id="4" name="文本框 3"/>
+          <p:cNvSpPr txBox="1"/>
+          <p:nvPr/>
+        </p:nvSpPr>
+        <p:spPr>
+          <a:xfrm>
+            <a:off x="570230" y="427990"/>
+            <a:ext cx="4298315" cy="701040"/>
+          </a:xfrm>
+          <a:prstGeom prst="rect">
+            <a:avLst/>
+          </a:prstGeom>
+          <a:noFill/>
+        </p:spPr>
+        <p:txBody>
+          <a:bodyPr wrap="square" rtlCol="0">
+            <a:spAutoFit/>
+          </a:bodyPr>
+          <a:lstStyle/>
+          <a:p>
+            <a:r>
+              <a:rPr lang="zh-CN" altLang="en-US" sz="4000" dirty="0" smtClean="0">
+                <a:solidFill>
+                  <a:schemeClr val="bg1"/>
+                </a:solidFill>
+              </a:rPr>
+              <a:t>关于失败</a:t>
+            </a:r>
+            <a:endParaRPr lang="zh-CN" altLang="en-US" sz="4000" dirty="0" smtClean="0">
+              <a:solidFill>
+                <a:schemeClr val="bg1"/>
+              </a:solidFill>
+            </a:endParaRPr>
+          </a:p>
+        </p:txBody>
+      </p:sp>
+      <p:sp>
+        <p:nvSpPr>
+          <p:cNvPr id="9" name="页脚占位符 8"/>
+          <p:cNvSpPr>
+            <a:spLocks noGrp="1"/>
+          </p:cNvSpPr>
+          <p:nvPr>
+            <p:ph type="ftr" sz="quarter" idx="11"/>
+          </p:nvPr>
+        </p:nvSpPr>
+        <p:spPr>
+          <a:xfrm>
+            <a:off x="10880090" y="6596380"/>
+            <a:ext cx="1311910" cy="245110"/>
+          </a:xfrm>
+        </p:spPr>
+        <p:txBody>
+          <a:bodyPr/>
+          <a:lstStyle/>
+          <a:p>
+            <a:r>
+              <a:rPr lang="zh-CN" altLang="en-US"/>
+              <a:t>三人开发小组</a:t>
+            </a:r>
+            <a:endParaRPr lang="zh-CN" altLang="en-US"/>
+          </a:p>
+        </p:txBody>
+      </p:sp>
+      <p:sp>
+        <p:nvSpPr>
+          <p:cNvPr id="2" name="文本框 1"/>
+          <p:cNvSpPr txBox="1"/>
+          <p:nvPr/>
+        </p:nvSpPr>
+        <p:spPr>
+          <a:xfrm>
+            <a:off x="665480" y="1405890"/>
+            <a:ext cx="5724525" cy="365760"/>
+          </a:xfrm>
+          <a:prstGeom prst="rect">
+            <a:avLst/>
+          </a:prstGeom>
+          <a:noFill/>
+        </p:spPr>
+        <p:txBody>
+          <a:bodyPr wrap="square" rtlCol="0">
+            <a:spAutoFit/>
+          </a:bodyPr>
+          <a:p>
+            <a:r>
+              <a:rPr lang="zh-CN" altLang="en-US">
+                <a:solidFill>
+                  <a:srgbClr val="00AE66"/>
+                </a:solidFill>
+              </a:rPr>
+              <a:t>思考如何失败</a:t>
+            </a:r>
+            <a:endParaRPr lang="zh-CN" altLang="en-US">
+              <a:solidFill>
+                <a:srgbClr val="00AE66"/>
+              </a:solidFill>
+            </a:endParaRPr>
+          </a:p>
+        </p:txBody>
+      </p:sp>
+      <p:cxnSp>
+        <p:nvCxnSpPr>
+          <p:cNvPr id="5" name="直接连接符 4"/>
+          <p:cNvCxnSpPr/>
+          <p:nvPr/>
+        </p:nvCxnSpPr>
+        <p:spPr>
+          <a:xfrm>
+            <a:off x="762000" y="1831340"/>
+            <a:ext cx="4092575" cy="0"/>
+          </a:xfrm>
+          <a:prstGeom prst="line">
+            <a:avLst/>
+          </a:prstGeom>
+        </p:spPr>
+        <p:style>
+          <a:lnRef idx="3">
+            <a:schemeClr val="accent6"/>
+          </a:lnRef>
+          <a:fillRef idx="0">
+            <a:schemeClr val="accent6"/>
+          </a:fillRef>
+          <a:effectRef idx="2">
+            <a:schemeClr val="accent6"/>
+          </a:effectRef>
+          <a:fontRef idx="minor">
+            <a:schemeClr val="tx1"/>
+          </a:fontRef>
+        </p:style>
+      </p:cxnSp>
+      <p:sp>
+        <p:nvSpPr>
+          <p:cNvPr id="3" name="文本框 2"/>
+          <p:cNvSpPr txBox="1"/>
+          <p:nvPr/>
+        </p:nvSpPr>
+        <p:spPr>
+          <a:xfrm>
+            <a:off x="732790" y="2014220"/>
+            <a:ext cx="4044315" cy="368300"/>
+          </a:xfrm>
+          <a:prstGeom prst="rect">
+            <a:avLst/>
+          </a:prstGeom>
+          <a:noFill/>
+        </p:spPr>
+        <p:txBody>
+          <a:bodyPr wrap="square" rtlCol="0">
+            <a:spAutoFit/>
+          </a:bodyPr>
+          <a:p>
+            <a:r>
+              <a:rPr lang="en-US" altLang="zh-CN"/>
+              <a:t> 1.</a:t>
+            </a:r>
+            <a:r>
+              <a:rPr lang="zh-CN" altLang="en-US"/>
+              <a:t>生命值系统</a:t>
+            </a:r>
+            <a:endParaRPr lang="zh-CN" altLang="en-US"/>
+          </a:p>
+        </p:txBody>
+      </p:sp>
+      <p:sp>
+        <p:nvSpPr>
+          <p:cNvPr id="7" name="文本框 6"/>
+          <p:cNvSpPr txBox="1"/>
+          <p:nvPr/>
+        </p:nvSpPr>
+        <p:spPr>
+          <a:xfrm>
+            <a:off x="732790" y="2526030"/>
+            <a:ext cx="4044315" cy="368300"/>
+          </a:xfrm>
+          <a:prstGeom prst="rect">
+            <a:avLst/>
+          </a:prstGeom>
+          <a:noFill/>
+        </p:spPr>
+        <p:txBody>
+          <a:bodyPr wrap="square" rtlCol="0">
+            <a:spAutoFit/>
+          </a:bodyPr>
+          <a:p>
+            <a:r>
+              <a:rPr lang="en-US" altLang="zh-CN"/>
+              <a:t> </a:t>
+            </a:r>
+            <a:r>
+              <a:rPr lang="en-US"/>
+              <a:t>2.</a:t>
+            </a:r>
+            <a:r>
+              <a:rPr lang="zh-CN" altLang="en-US"/>
+              <a:t>好感度系统</a:t>
+            </a:r>
+            <a:endParaRPr lang="zh-CN" altLang="en-US"/>
+          </a:p>
+        </p:txBody>
+      </p:sp>
+      <p:sp>
+        <p:nvSpPr>
+          <p:cNvPr id="8" name="文本框 7"/>
+          <p:cNvSpPr txBox="1"/>
+          <p:nvPr/>
+        </p:nvSpPr>
+        <p:spPr>
+          <a:xfrm>
+            <a:off x="732790" y="3086100"/>
+            <a:ext cx="4044315" cy="368300"/>
+          </a:xfrm>
+          <a:prstGeom prst="rect">
+            <a:avLst/>
+          </a:prstGeom>
+          <a:noFill/>
+        </p:spPr>
+        <p:txBody>
+          <a:bodyPr wrap="square" rtlCol="0">
+            <a:spAutoFit/>
+          </a:bodyPr>
+          <a:p>
+            <a:r>
+              <a:rPr lang="en-US" altLang="zh-CN"/>
+              <a:t> </a:t>
+            </a:r>
+            <a:r>
+              <a:rPr lang="en-US"/>
+              <a:t>3.</a:t>
+            </a:r>
+            <a:r>
+              <a:rPr lang="zh-CN" altLang="en-US"/>
+              <a:t>无失败？</a:t>
+            </a:r>
+            <a:endParaRPr lang="zh-CN" altLang="en-US"/>
           </a:p>
         </p:txBody>
       </p:sp>

--- a/系统.pptx
+++ b/系统.pptx
@@ -8,15 +8,16 @@
     <p:notesMasterId r:id="rId12"/>
   </p:notesMasterIdLst>
   <p:sldIdLst>
-    <p:sldId id="256" r:id="rId3"/>
-    <p:sldId id="259" r:id="rId4"/>
-    <p:sldId id="264" r:id="rId5"/>
-    <p:sldId id="257" r:id="rId6"/>
-    <p:sldId id="261" r:id="rId7"/>
-    <p:sldId id="260" r:id="rId8"/>
-    <p:sldId id="258" r:id="rId9"/>
+    <p:sldId id="256" r:id="rId2"/>
+    <p:sldId id="259" r:id="rId3"/>
+    <p:sldId id="264" r:id="rId4"/>
+    <p:sldId id="257" r:id="rId5"/>
+    <p:sldId id="261" r:id="rId6"/>
+    <p:sldId id="258" r:id="rId7"/>
+    <p:sldId id="270" r:id="rId8"/>
+    <p:sldId id="260" r:id="rId9"/>
     <p:sldId id="265" r:id="rId10"/>
-    <p:sldId id="270" r:id="rId11"/>
+    <p:sldId id="271" r:id="rId11"/>
   </p:sldIdLst>
   <p:sldSz cx="12192000" cy="6858000"/>
   <p:notesSz cx="6858000" cy="9144000"/>
@@ -115,6 +116,11 @@
       </a:defRPr>
     </a:lvl9pPr>
   </p:defaultTextStyle>
+  <p:extLst>
+    <p:ext uri="{EFAFB233-063F-42B5-8137-9DF3F51BA10A}">
+      <p15:sldGuideLst xmlns:p15="http://schemas.microsoft.com/office/powerpoint/2012/main"/>
+    </p:ext>
+  </p:extLst>
 </p:presentation>
 </file>
 
@@ -200,6 +206,7 @@
           <a:p>
             <a:fld id="{D2A48B96-639E-45A3-A0BA-2464DFDB1FAA}" type="datetimeFigureOut">
               <a:rPr lang="zh-CN" altLang="en-US" smtClean="0"/>
+              <a:t>2017/8/14</a:t>
             </a:fld>
             <a:endParaRPr lang="zh-CN" altLang="en-US"/>
           </a:p>
@@ -266,7 +273,6 @@
               <a:rPr lang="zh-CN" altLang="en-US" smtClean="0"/>
               <a:t>单击此处编辑母版文本样式</a:t>
             </a:r>
-            <a:endParaRPr lang="zh-CN" altLang="en-US" smtClean="0"/>
           </a:p>
           <a:p>
             <a:pPr lvl="1"/>
@@ -274,7 +280,6 @@
               <a:rPr lang="zh-CN" altLang="en-US" smtClean="0"/>
               <a:t>第二级</a:t>
             </a:r>
-            <a:endParaRPr lang="zh-CN" altLang="en-US" smtClean="0"/>
           </a:p>
           <a:p>
             <a:pPr lvl="2"/>
@@ -282,7 +287,6 @@
               <a:rPr lang="zh-CN" altLang="en-US" smtClean="0"/>
               <a:t>第三级</a:t>
             </a:r>
-            <a:endParaRPr lang="zh-CN" altLang="en-US" smtClean="0"/>
           </a:p>
           <a:p>
             <a:pPr lvl="3"/>
@@ -290,7 +294,6 @@
               <a:rPr lang="zh-CN" altLang="en-US" smtClean="0"/>
               <a:t>第四级</a:t>
             </a:r>
-            <a:endParaRPr lang="zh-CN" altLang="en-US" smtClean="0"/>
           </a:p>
           <a:p>
             <a:pPr lvl="4"/>
@@ -362,12 +365,18 @@
           <a:p>
             <a:fld id="{A6837353-30EB-4A48-80EB-173D804AEFBD}" type="slidenum">
               <a:rPr lang="zh-CN" altLang="en-US" smtClean="0"/>
+              <a:t>‹#›</a:t>
             </a:fld>
             <a:endParaRPr lang="zh-CN" altLang="en-US"/>
           </a:p>
         </p:txBody>
       </p:sp>
     </p:spTree>
+    <p:extLst>
+      <p:ext uri="{BB962C8B-B14F-4D97-AF65-F5344CB8AC3E}">
+        <p14:creationId xmlns:p14="http://schemas.microsoft.com/office/powerpoint/2010/main" val="2096478648"/>
+      </p:ext>
+    </p:extLst>
   </p:cSld>
   <p:clrMap bg1="lt1" tx1="dk1" bg2="lt2" tx2="dk2" accent1="accent1" accent2="accent2" accent3="accent3" accent4="accent4" accent5="accent5" accent6="accent6" hlink="hlink" folHlink="folHlink"/>
   <p:notesStyle>
@@ -596,6 +605,7 @@
           <a:p>
             <a:fld id="{D997B5FA-0921-464F-AAE1-844C04324D75}" type="datetimeFigureOut">
               <a:rPr lang="zh-CN" altLang="en-US" smtClean="0"/>
+              <a:t>2017/8/14</a:t>
             </a:fld>
             <a:endParaRPr lang="zh-CN" altLang="en-US"/>
           </a:p>
@@ -620,7 +630,6 @@
               <a:rPr lang="zh-CN" altLang="en-US"/>
               <a:t>三人开发小组</a:t>
             </a:r>
-            <a:endParaRPr lang="zh-CN" altLang="en-US"/>
           </a:p>
         </p:txBody>
       </p:sp>
@@ -641,6 +650,7 @@
           <a:p>
             <a:fld id="{565CE74E-AB26-4998-AD42-012C4C1AD076}" type="slidenum">
               <a:rPr lang="zh-CN" altLang="en-US" smtClean="0"/>
+              <a:t>‹#›</a:t>
             </a:fld>
             <a:endParaRPr lang="zh-CN" altLang="en-US"/>
           </a:p>
@@ -715,7 +725,6 @@
               <a:rPr lang="zh-CN" altLang="en-US" smtClean="0"/>
               <a:t>单击此处编辑母版文本样式</a:t>
             </a:r>
-            <a:endParaRPr lang="zh-CN" altLang="en-US" smtClean="0"/>
           </a:p>
           <a:p>
             <a:pPr lvl="1"/>
@@ -723,7 +732,6 @@
               <a:rPr lang="zh-CN" altLang="en-US" smtClean="0"/>
               <a:t>第二级</a:t>
             </a:r>
-            <a:endParaRPr lang="zh-CN" altLang="en-US" smtClean="0"/>
           </a:p>
           <a:p>
             <a:pPr lvl="2"/>
@@ -731,7 +739,6 @@
               <a:rPr lang="zh-CN" altLang="en-US" smtClean="0"/>
               <a:t>第三级</a:t>
             </a:r>
-            <a:endParaRPr lang="zh-CN" altLang="en-US" smtClean="0"/>
           </a:p>
           <a:p>
             <a:pPr lvl="3"/>
@@ -739,7 +746,6 @@
               <a:rPr lang="zh-CN" altLang="en-US" smtClean="0"/>
               <a:t>第四级</a:t>
             </a:r>
-            <a:endParaRPr lang="zh-CN" altLang="en-US" smtClean="0"/>
           </a:p>
           <a:p>
             <a:pPr lvl="4"/>
@@ -768,6 +774,7 @@
           <a:p>
             <a:fld id="{D997B5FA-0921-464F-AAE1-844C04324D75}" type="datetimeFigureOut">
               <a:rPr lang="zh-CN" altLang="en-US" smtClean="0"/>
+              <a:t>2017/8/14</a:t>
             </a:fld>
             <a:endParaRPr lang="zh-CN" altLang="en-US"/>
           </a:p>
@@ -792,7 +799,6 @@
               <a:rPr lang="zh-CN" altLang="en-US"/>
               <a:t>三人开发小组</a:t>
             </a:r>
-            <a:endParaRPr lang="zh-CN" altLang="en-US"/>
           </a:p>
         </p:txBody>
       </p:sp>
@@ -813,6 +819,7 @@
           <a:p>
             <a:fld id="{565CE74E-AB26-4998-AD42-012C4C1AD076}" type="slidenum">
               <a:rPr lang="zh-CN" altLang="en-US" smtClean="0"/>
+              <a:t>‹#›</a:t>
             </a:fld>
             <a:endParaRPr lang="zh-CN" altLang="en-US"/>
           </a:p>
@@ -897,7 +904,6 @@
               <a:rPr lang="zh-CN" altLang="en-US" smtClean="0"/>
               <a:t>单击此处编辑母版文本样式</a:t>
             </a:r>
-            <a:endParaRPr lang="zh-CN" altLang="en-US" smtClean="0"/>
           </a:p>
           <a:p>
             <a:pPr lvl="1"/>
@@ -905,7 +911,6 @@
               <a:rPr lang="zh-CN" altLang="en-US" smtClean="0"/>
               <a:t>第二级</a:t>
             </a:r>
-            <a:endParaRPr lang="zh-CN" altLang="en-US" smtClean="0"/>
           </a:p>
           <a:p>
             <a:pPr lvl="2"/>
@@ -913,7 +918,6 @@
               <a:rPr lang="zh-CN" altLang="en-US" smtClean="0"/>
               <a:t>第三级</a:t>
             </a:r>
-            <a:endParaRPr lang="zh-CN" altLang="en-US" smtClean="0"/>
           </a:p>
           <a:p>
             <a:pPr lvl="3"/>
@@ -921,7 +925,6 @@
               <a:rPr lang="zh-CN" altLang="en-US" smtClean="0"/>
               <a:t>第四级</a:t>
             </a:r>
-            <a:endParaRPr lang="zh-CN" altLang="en-US" smtClean="0"/>
           </a:p>
           <a:p>
             <a:pPr lvl="4"/>
@@ -950,6 +953,7 @@
           <a:p>
             <a:fld id="{D997B5FA-0921-464F-AAE1-844C04324D75}" type="datetimeFigureOut">
               <a:rPr lang="zh-CN" altLang="en-US" smtClean="0"/>
+              <a:t>2017/8/14</a:t>
             </a:fld>
             <a:endParaRPr lang="zh-CN" altLang="en-US"/>
           </a:p>
@@ -974,7 +978,6 @@
               <a:rPr lang="zh-CN" altLang="en-US"/>
               <a:t>三人开发小组</a:t>
             </a:r>
-            <a:endParaRPr lang="zh-CN" altLang="en-US"/>
           </a:p>
         </p:txBody>
       </p:sp>
@@ -995,6 +998,7 @@
           <a:p>
             <a:fld id="{565CE74E-AB26-4998-AD42-012C4C1AD076}" type="slidenum">
               <a:rPr lang="zh-CN" altLang="en-US" smtClean="0"/>
+              <a:t>‹#›</a:t>
             </a:fld>
             <a:endParaRPr lang="zh-CN" altLang="en-US"/>
           </a:p>
@@ -1069,7 +1073,6 @@
               <a:rPr lang="zh-CN" altLang="en-US" smtClean="0"/>
               <a:t>单击此处编辑母版文本样式</a:t>
             </a:r>
-            <a:endParaRPr lang="zh-CN" altLang="en-US" smtClean="0"/>
           </a:p>
           <a:p>
             <a:pPr lvl="1"/>
@@ -1077,7 +1080,6 @@
               <a:rPr lang="zh-CN" altLang="en-US" smtClean="0"/>
               <a:t>第二级</a:t>
             </a:r>
-            <a:endParaRPr lang="zh-CN" altLang="en-US" smtClean="0"/>
           </a:p>
           <a:p>
             <a:pPr lvl="2"/>
@@ -1085,7 +1087,6 @@
               <a:rPr lang="zh-CN" altLang="en-US" smtClean="0"/>
               <a:t>第三级</a:t>
             </a:r>
-            <a:endParaRPr lang="zh-CN" altLang="en-US" smtClean="0"/>
           </a:p>
           <a:p>
             <a:pPr lvl="3"/>
@@ -1093,7 +1094,6 @@
               <a:rPr lang="zh-CN" altLang="en-US" smtClean="0"/>
               <a:t>第四级</a:t>
             </a:r>
-            <a:endParaRPr lang="zh-CN" altLang="en-US" smtClean="0"/>
           </a:p>
           <a:p>
             <a:pPr lvl="4"/>
@@ -1122,6 +1122,7 @@
           <a:p>
             <a:fld id="{D997B5FA-0921-464F-AAE1-844C04324D75}" type="datetimeFigureOut">
               <a:rPr lang="zh-CN" altLang="en-US" smtClean="0"/>
+              <a:t>2017/8/14</a:t>
             </a:fld>
             <a:endParaRPr lang="zh-CN" altLang="en-US"/>
           </a:p>
@@ -1146,7 +1147,6 @@
               <a:rPr lang="zh-CN" altLang="en-US"/>
               <a:t>三人开发小组</a:t>
             </a:r>
-            <a:endParaRPr lang="zh-CN" altLang="en-US"/>
           </a:p>
         </p:txBody>
       </p:sp>
@@ -1167,6 +1167,7 @@
           <a:p>
             <a:fld id="{565CE74E-AB26-4998-AD42-012C4C1AD076}" type="slidenum">
               <a:rPr lang="zh-CN" altLang="en-US" smtClean="0"/>
+              <a:t>‹#›</a:t>
             </a:fld>
             <a:endParaRPr lang="zh-CN" altLang="en-US"/>
           </a:p>
@@ -1346,7 +1347,6 @@
               <a:rPr lang="zh-CN" altLang="en-US" smtClean="0"/>
               <a:t>单击此处编辑母版文本样式</a:t>
             </a:r>
-            <a:endParaRPr lang="zh-CN" altLang="en-US" smtClean="0"/>
           </a:p>
         </p:txBody>
       </p:sp>
@@ -1367,6 +1367,7 @@
           <a:p>
             <a:fld id="{D997B5FA-0921-464F-AAE1-844C04324D75}" type="datetimeFigureOut">
               <a:rPr lang="zh-CN" altLang="en-US" smtClean="0"/>
+              <a:t>2017/8/14</a:t>
             </a:fld>
             <a:endParaRPr lang="zh-CN" altLang="en-US"/>
           </a:p>
@@ -1391,7 +1392,6 @@
               <a:rPr lang="zh-CN" altLang="en-US"/>
               <a:t>三人开发小组</a:t>
             </a:r>
-            <a:endParaRPr lang="zh-CN" altLang="en-US"/>
           </a:p>
         </p:txBody>
       </p:sp>
@@ -1412,6 +1412,7 @@
           <a:p>
             <a:fld id="{565CE74E-AB26-4998-AD42-012C4C1AD076}" type="slidenum">
               <a:rPr lang="zh-CN" altLang="en-US" smtClean="0"/>
+              <a:t>‹#›</a:t>
             </a:fld>
             <a:endParaRPr lang="zh-CN" altLang="en-US"/>
           </a:p>
@@ -1491,7 +1492,6 @@
               <a:rPr lang="zh-CN" altLang="en-US" smtClean="0"/>
               <a:t>单击此处编辑母版文本样式</a:t>
             </a:r>
-            <a:endParaRPr lang="zh-CN" altLang="en-US" smtClean="0"/>
           </a:p>
           <a:p>
             <a:pPr lvl="1"/>
@@ -1499,7 +1499,6 @@
               <a:rPr lang="zh-CN" altLang="en-US" smtClean="0"/>
               <a:t>第二级</a:t>
             </a:r>
-            <a:endParaRPr lang="zh-CN" altLang="en-US" smtClean="0"/>
           </a:p>
           <a:p>
             <a:pPr lvl="2"/>
@@ -1507,7 +1506,6 @@
               <a:rPr lang="zh-CN" altLang="en-US" smtClean="0"/>
               <a:t>第三级</a:t>
             </a:r>
-            <a:endParaRPr lang="zh-CN" altLang="en-US" smtClean="0"/>
           </a:p>
           <a:p>
             <a:pPr lvl="3"/>
@@ -1515,7 +1513,6 @@
               <a:rPr lang="zh-CN" altLang="en-US" smtClean="0"/>
               <a:t>第四级</a:t>
             </a:r>
-            <a:endParaRPr lang="zh-CN" altLang="en-US" smtClean="0"/>
           </a:p>
           <a:p>
             <a:pPr lvl="4"/>
@@ -1552,7 +1549,6 @@
               <a:rPr lang="zh-CN" altLang="en-US" smtClean="0"/>
               <a:t>单击此处编辑母版文本样式</a:t>
             </a:r>
-            <a:endParaRPr lang="zh-CN" altLang="en-US" smtClean="0"/>
           </a:p>
           <a:p>
             <a:pPr lvl="1"/>
@@ -1560,7 +1556,6 @@
               <a:rPr lang="zh-CN" altLang="en-US" smtClean="0"/>
               <a:t>第二级</a:t>
             </a:r>
-            <a:endParaRPr lang="zh-CN" altLang="en-US" smtClean="0"/>
           </a:p>
           <a:p>
             <a:pPr lvl="2"/>
@@ -1568,7 +1563,6 @@
               <a:rPr lang="zh-CN" altLang="en-US" smtClean="0"/>
               <a:t>第三级</a:t>
             </a:r>
-            <a:endParaRPr lang="zh-CN" altLang="en-US" smtClean="0"/>
           </a:p>
           <a:p>
             <a:pPr lvl="3"/>
@@ -1576,7 +1570,6 @@
               <a:rPr lang="zh-CN" altLang="en-US" smtClean="0"/>
               <a:t>第四级</a:t>
             </a:r>
-            <a:endParaRPr lang="zh-CN" altLang="en-US" smtClean="0"/>
           </a:p>
           <a:p>
             <a:pPr lvl="4"/>
@@ -1605,6 +1598,7 @@
           <a:p>
             <a:fld id="{D997B5FA-0921-464F-AAE1-844C04324D75}" type="datetimeFigureOut">
               <a:rPr lang="zh-CN" altLang="en-US" smtClean="0"/>
+              <a:t>2017/8/14</a:t>
             </a:fld>
             <a:endParaRPr lang="zh-CN" altLang="en-US"/>
           </a:p>
@@ -1629,7 +1623,6 @@
               <a:rPr lang="zh-CN" altLang="en-US"/>
               <a:t>三人开发小组</a:t>
             </a:r>
-            <a:endParaRPr lang="zh-CN" altLang="en-US"/>
           </a:p>
         </p:txBody>
       </p:sp>
@@ -1650,6 +1643,7 @@
           <a:p>
             <a:fld id="{565CE74E-AB26-4998-AD42-012C4C1AD076}" type="slidenum">
               <a:rPr lang="zh-CN" altLang="en-US" smtClean="0"/>
+              <a:t>‹#›</a:t>
             </a:fld>
             <a:endParaRPr lang="zh-CN" altLang="en-US"/>
           </a:p>
@@ -1771,7 +1765,6 @@
               <a:rPr lang="zh-CN" altLang="en-US" smtClean="0"/>
               <a:t>单击此处编辑母版文本样式</a:t>
             </a:r>
-            <a:endParaRPr lang="zh-CN" altLang="en-US" smtClean="0"/>
           </a:p>
         </p:txBody>
       </p:sp>
@@ -1800,7 +1793,6 @@
               <a:rPr lang="zh-CN" altLang="en-US" smtClean="0"/>
               <a:t>单击此处编辑母版文本样式</a:t>
             </a:r>
-            <a:endParaRPr lang="zh-CN" altLang="en-US" smtClean="0"/>
           </a:p>
           <a:p>
             <a:pPr lvl="1"/>
@@ -1808,7 +1800,6 @@
               <a:rPr lang="zh-CN" altLang="en-US" smtClean="0"/>
               <a:t>第二级</a:t>
             </a:r>
-            <a:endParaRPr lang="zh-CN" altLang="en-US" smtClean="0"/>
           </a:p>
           <a:p>
             <a:pPr lvl="2"/>
@@ -1816,7 +1807,6 @@
               <a:rPr lang="zh-CN" altLang="en-US" smtClean="0"/>
               <a:t>第三级</a:t>
             </a:r>
-            <a:endParaRPr lang="zh-CN" altLang="en-US" smtClean="0"/>
           </a:p>
           <a:p>
             <a:pPr lvl="3"/>
@@ -1824,7 +1814,6 @@
               <a:rPr lang="zh-CN" altLang="en-US" smtClean="0"/>
               <a:t>第四级</a:t>
             </a:r>
-            <a:endParaRPr lang="zh-CN" altLang="en-US" smtClean="0"/>
           </a:p>
           <a:p>
             <a:pPr lvl="4"/>
@@ -1898,7 +1887,6 @@
               <a:rPr lang="zh-CN" altLang="en-US" smtClean="0"/>
               <a:t>单击此处编辑母版文本样式</a:t>
             </a:r>
-            <a:endParaRPr lang="zh-CN" altLang="en-US" smtClean="0"/>
           </a:p>
         </p:txBody>
       </p:sp>
@@ -1927,7 +1915,6 @@
               <a:rPr lang="zh-CN" altLang="en-US" smtClean="0"/>
               <a:t>单击此处编辑母版文本样式</a:t>
             </a:r>
-            <a:endParaRPr lang="zh-CN" altLang="en-US" smtClean="0"/>
           </a:p>
           <a:p>
             <a:pPr lvl="1"/>
@@ -1935,7 +1922,6 @@
               <a:rPr lang="zh-CN" altLang="en-US" smtClean="0"/>
               <a:t>第二级</a:t>
             </a:r>
-            <a:endParaRPr lang="zh-CN" altLang="en-US" smtClean="0"/>
           </a:p>
           <a:p>
             <a:pPr lvl="2"/>
@@ -1943,7 +1929,6 @@
               <a:rPr lang="zh-CN" altLang="en-US" smtClean="0"/>
               <a:t>第三级</a:t>
             </a:r>
-            <a:endParaRPr lang="zh-CN" altLang="en-US" smtClean="0"/>
           </a:p>
           <a:p>
             <a:pPr lvl="3"/>
@@ -1951,7 +1936,6 @@
               <a:rPr lang="zh-CN" altLang="en-US" smtClean="0"/>
               <a:t>第四级</a:t>
             </a:r>
-            <a:endParaRPr lang="zh-CN" altLang="en-US" smtClean="0"/>
           </a:p>
           <a:p>
             <a:pPr lvl="4"/>
@@ -1980,6 +1964,7 @@
           <a:p>
             <a:fld id="{D997B5FA-0921-464F-AAE1-844C04324D75}" type="datetimeFigureOut">
               <a:rPr lang="zh-CN" altLang="en-US" smtClean="0"/>
+              <a:t>2017/8/14</a:t>
             </a:fld>
             <a:endParaRPr lang="zh-CN" altLang="en-US"/>
           </a:p>
@@ -2004,7 +1989,6 @@
               <a:rPr lang="zh-CN" altLang="en-US"/>
               <a:t>三人开发小组</a:t>
             </a:r>
-            <a:endParaRPr lang="zh-CN" altLang="en-US"/>
           </a:p>
         </p:txBody>
       </p:sp>
@@ -2025,6 +2009,7 @@
           <a:p>
             <a:fld id="{565CE74E-AB26-4998-AD42-012C4C1AD076}" type="slidenum">
               <a:rPr lang="zh-CN" altLang="en-US" smtClean="0"/>
+              <a:t>‹#›</a:t>
             </a:fld>
             <a:endParaRPr lang="zh-CN" altLang="en-US"/>
           </a:p>
@@ -2096,6 +2081,7 @@
           <a:p>
             <a:fld id="{D997B5FA-0921-464F-AAE1-844C04324D75}" type="datetimeFigureOut">
               <a:rPr lang="zh-CN" altLang="en-US" smtClean="0"/>
+              <a:t>2017/8/14</a:t>
             </a:fld>
             <a:endParaRPr lang="zh-CN" altLang="en-US"/>
           </a:p>
@@ -2120,7 +2106,6 @@
               <a:rPr lang="zh-CN" altLang="en-US"/>
               <a:t>三人开发小组</a:t>
             </a:r>
-            <a:endParaRPr lang="zh-CN" altLang="en-US"/>
           </a:p>
         </p:txBody>
       </p:sp>
@@ -2141,6 +2126,7 @@
           <a:p>
             <a:fld id="{565CE74E-AB26-4998-AD42-012C4C1AD076}" type="slidenum">
               <a:rPr lang="zh-CN" altLang="en-US" smtClean="0"/>
+              <a:t>‹#›</a:t>
             </a:fld>
             <a:endParaRPr lang="zh-CN" altLang="en-US"/>
           </a:p>
@@ -2189,6 +2175,7 @@
           <a:p>
             <a:fld id="{D997B5FA-0921-464F-AAE1-844C04324D75}" type="datetimeFigureOut">
               <a:rPr lang="zh-CN" altLang="en-US" smtClean="0"/>
+              <a:t>2017/8/14</a:t>
             </a:fld>
             <a:endParaRPr lang="zh-CN" altLang="en-US"/>
           </a:p>
@@ -2213,7 +2200,6 @@
               <a:rPr lang="zh-CN" altLang="en-US"/>
               <a:t>三人开发小组</a:t>
             </a:r>
-            <a:endParaRPr lang="zh-CN" altLang="en-US"/>
           </a:p>
         </p:txBody>
       </p:sp>
@@ -2234,6 +2220,7 @@
           <a:p>
             <a:fld id="{565CE74E-AB26-4998-AD42-012C4C1AD076}" type="slidenum">
               <a:rPr lang="zh-CN" altLang="en-US" smtClean="0"/>
+              <a:t>‹#›</a:t>
             </a:fld>
             <a:endParaRPr lang="zh-CN" altLang="en-US"/>
           </a:p>
@@ -2350,7 +2337,6 @@
               <a:rPr lang="zh-CN" altLang="en-US" smtClean="0"/>
               <a:t>单击此处编辑母版文本样式</a:t>
             </a:r>
-            <a:endParaRPr lang="zh-CN" altLang="en-US" smtClean="0"/>
           </a:p>
           <a:p>
             <a:pPr lvl="1"/>
@@ -2358,7 +2344,6 @@
               <a:rPr lang="zh-CN" altLang="en-US" smtClean="0"/>
               <a:t>第二级</a:t>
             </a:r>
-            <a:endParaRPr lang="zh-CN" altLang="en-US" smtClean="0"/>
           </a:p>
           <a:p>
             <a:pPr lvl="2"/>
@@ -2366,7 +2351,6 @@
               <a:rPr lang="zh-CN" altLang="en-US" smtClean="0"/>
               <a:t>第三级</a:t>
             </a:r>
-            <a:endParaRPr lang="zh-CN" altLang="en-US" smtClean="0"/>
           </a:p>
           <a:p>
             <a:pPr lvl="3"/>
@@ -2374,7 +2358,6 @@
               <a:rPr lang="zh-CN" altLang="en-US" smtClean="0"/>
               <a:t>第四级</a:t>
             </a:r>
-            <a:endParaRPr lang="zh-CN" altLang="en-US" smtClean="0"/>
           </a:p>
           <a:p>
             <a:pPr lvl="4"/>
@@ -2448,7 +2431,6 @@
               <a:rPr lang="zh-CN" altLang="en-US" smtClean="0"/>
               <a:t>单击此处编辑母版文本样式</a:t>
             </a:r>
-            <a:endParaRPr lang="zh-CN" altLang="en-US" smtClean="0"/>
           </a:p>
         </p:txBody>
       </p:sp>
@@ -2469,6 +2451,7 @@
           <a:p>
             <a:fld id="{D997B5FA-0921-464F-AAE1-844C04324D75}" type="datetimeFigureOut">
               <a:rPr lang="zh-CN" altLang="en-US" smtClean="0"/>
+              <a:t>2017/8/14</a:t>
             </a:fld>
             <a:endParaRPr lang="zh-CN" altLang="en-US"/>
           </a:p>
@@ -2493,7 +2476,6 @@
               <a:rPr lang="zh-CN" altLang="en-US"/>
               <a:t>三人开发小组</a:t>
             </a:r>
-            <a:endParaRPr lang="zh-CN" altLang="en-US"/>
           </a:p>
         </p:txBody>
       </p:sp>
@@ -2514,6 +2496,7 @@
           <a:p>
             <a:fld id="{565CE74E-AB26-4998-AD42-012C4C1AD076}" type="slidenum">
               <a:rPr lang="zh-CN" altLang="en-US" smtClean="0"/>
+              <a:t>‹#›</a:t>
             </a:fld>
             <a:endParaRPr lang="zh-CN" altLang="en-US"/>
           </a:p>
@@ -2700,7 +2683,6 @@
               <a:rPr lang="zh-CN" altLang="en-US" smtClean="0"/>
               <a:t>单击此处编辑母版文本样式</a:t>
             </a:r>
-            <a:endParaRPr lang="zh-CN" altLang="en-US" smtClean="0"/>
           </a:p>
         </p:txBody>
       </p:sp>
@@ -2721,6 +2703,7 @@
           <a:p>
             <a:fld id="{D997B5FA-0921-464F-AAE1-844C04324D75}" type="datetimeFigureOut">
               <a:rPr lang="zh-CN" altLang="en-US" smtClean="0"/>
+              <a:t>2017/8/14</a:t>
             </a:fld>
             <a:endParaRPr lang="zh-CN" altLang="en-US"/>
           </a:p>
@@ -2745,7 +2728,6 @@
               <a:rPr lang="zh-CN" altLang="en-US"/>
               <a:t>三人开发小组</a:t>
             </a:r>
-            <a:endParaRPr lang="zh-CN" altLang="en-US"/>
           </a:p>
         </p:txBody>
       </p:sp>
@@ -2766,6 +2748,7 @@
           <a:p>
             <a:fld id="{565CE74E-AB26-4998-AD42-012C4C1AD076}" type="slidenum">
               <a:rPr lang="zh-CN" altLang="en-US" smtClean="0"/>
+              <a:t>‹#›</a:t>
             </a:fld>
             <a:endParaRPr lang="zh-CN" altLang="en-US"/>
           </a:p>
@@ -2865,7 +2848,6 @@
               <a:rPr lang="zh-CN" altLang="en-US" smtClean="0"/>
               <a:t>单击此处编辑母版文本样式</a:t>
             </a:r>
-            <a:endParaRPr lang="zh-CN" altLang="en-US" smtClean="0"/>
           </a:p>
           <a:p>
             <a:pPr lvl="1"/>
@@ -2873,7 +2855,6 @@
               <a:rPr lang="zh-CN" altLang="en-US" smtClean="0"/>
               <a:t>第二级</a:t>
             </a:r>
-            <a:endParaRPr lang="zh-CN" altLang="en-US" smtClean="0"/>
           </a:p>
           <a:p>
             <a:pPr lvl="2"/>
@@ -2881,7 +2862,6 @@
               <a:rPr lang="zh-CN" altLang="en-US" smtClean="0"/>
               <a:t>第三级</a:t>
             </a:r>
-            <a:endParaRPr lang="zh-CN" altLang="en-US" smtClean="0"/>
           </a:p>
           <a:p>
             <a:pPr lvl="3"/>
@@ -2889,7 +2869,6 @@
               <a:rPr lang="zh-CN" altLang="en-US" smtClean="0"/>
               <a:t>第四级</a:t>
             </a:r>
-            <a:endParaRPr lang="zh-CN" altLang="en-US" smtClean="0"/>
           </a:p>
           <a:p>
             <a:pPr lvl="4"/>
@@ -2936,6 +2915,7 @@
           <a:p>
             <a:fld id="{D997B5FA-0921-464F-AAE1-844C04324D75}" type="datetimeFigureOut">
               <a:rPr lang="zh-CN" altLang="en-US" smtClean="0"/>
+              <a:t>2017/8/14</a:t>
             </a:fld>
             <a:endParaRPr lang="zh-CN" altLang="en-US"/>
           </a:p>
@@ -2978,7 +2958,6 @@
               <a:rPr lang="zh-CN" altLang="en-US"/>
               <a:t>三人开发小组</a:t>
             </a:r>
-            <a:endParaRPr lang="zh-CN" altLang="en-US"/>
           </a:p>
         </p:txBody>
       </p:sp>
@@ -3017,6 +2996,7 @@
           <a:p>
             <a:fld id="{565CE74E-AB26-4998-AD42-012C4C1AD076}" type="slidenum">
               <a:rPr lang="zh-CN" altLang="en-US" smtClean="0"/>
+              <a:t>‹#›</a:t>
             </a:fld>
             <a:endParaRPr lang="zh-CN" altLang="en-US"/>
           </a:p>
@@ -3429,6 +3409,177 @@
 </p:sld>
 </file>
 
+<file path=ppt/slides/slide10.xml><?xml version="1.0" encoding="utf-8"?>
+<p:sld xmlns:a="http://schemas.openxmlformats.org/drawingml/2006/main" xmlns:r="http://schemas.openxmlformats.org/officeDocument/2006/relationships" xmlns:p="http://schemas.openxmlformats.org/presentationml/2006/main">
+  <p:cSld>
+    <p:spTree>
+      <p:nvGrpSpPr>
+        <p:cNvPr id="1" name=""/>
+        <p:cNvGrpSpPr/>
+        <p:nvPr/>
+      </p:nvGrpSpPr>
+      <p:grpSpPr>
+        <a:xfrm>
+          <a:off x="0" y="0"/>
+          <a:ext cx="0" cy="0"/>
+          <a:chOff x="0" y="0"/>
+          <a:chExt cx="0" cy="0"/>
+        </a:xfrm>
+      </p:grpSpPr>
+      <p:sp>
+        <p:nvSpPr>
+          <p:cNvPr id="6" name="矩形 5"/>
+          <p:cNvSpPr/>
+          <p:nvPr/>
+        </p:nvSpPr>
+        <p:spPr>
+          <a:xfrm>
+            <a:off x="0" y="333375"/>
+            <a:ext cx="12192000" cy="900430"/>
+          </a:xfrm>
+          <a:prstGeom prst="rect">
+            <a:avLst/>
+          </a:prstGeom>
+          <a:solidFill>
+            <a:srgbClr val="00AE66"/>
+          </a:solidFill>
+          <a:ln>
+            <a:noFill/>
+          </a:ln>
+        </p:spPr>
+        <p:style>
+          <a:lnRef idx="2">
+            <a:schemeClr val="accent1">
+              <a:shade val="50000"/>
+            </a:schemeClr>
+          </a:lnRef>
+          <a:fillRef idx="1">
+            <a:schemeClr val="accent1"/>
+          </a:fillRef>
+          <a:effectRef idx="0">
+            <a:schemeClr val="accent1"/>
+          </a:effectRef>
+          <a:fontRef idx="minor">
+            <a:schemeClr val="lt1"/>
+          </a:fontRef>
+        </p:style>
+        <p:txBody>
+          <a:bodyPr rtlCol="0" anchor="ctr"/>
+          <a:lstStyle/>
+          <a:p>
+            <a:pPr algn="ctr"/>
+            <a:endParaRPr lang="zh-CN" altLang="en-US"/>
+          </a:p>
+        </p:txBody>
+      </p:sp>
+      <p:sp>
+        <p:nvSpPr>
+          <p:cNvPr id="4" name="文本框 3"/>
+          <p:cNvSpPr txBox="1"/>
+          <p:nvPr/>
+        </p:nvSpPr>
+        <p:spPr>
+          <a:xfrm>
+            <a:off x="570230" y="427990"/>
+            <a:ext cx="4298315" cy="707886"/>
+          </a:xfrm>
+          <a:prstGeom prst="rect">
+            <a:avLst/>
+          </a:prstGeom>
+          <a:noFill/>
+        </p:spPr>
+        <p:txBody>
+          <a:bodyPr wrap="square" rtlCol="0">
+            <a:spAutoFit/>
+          </a:bodyPr>
+          <a:lstStyle/>
+          <a:p>
+            <a:r>
+              <a:rPr lang="zh-CN" altLang="en-US" sz="4000" dirty="0" smtClean="0">
+                <a:solidFill>
+                  <a:schemeClr val="bg1"/>
+                </a:solidFill>
+              </a:rPr>
+              <a:t>时间系统</a:t>
+            </a:r>
+            <a:endParaRPr lang="en-US" altLang="zh-CN" sz="4000" dirty="0" smtClean="0">
+              <a:solidFill>
+                <a:schemeClr val="bg1"/>
+              </a:solidFill>
+            </a:endParaRPr>
+          </a:p>
+        </p:txBody>
+      </p:sp>
+      <p:sp>
+        <p:nvSpPr>
+          <p:cNvPr id="9" name="页脚占位符 8"/>
+          <p:cNvSpPr>
+            <a:spLocks noGrp="1"/>
+          </p:cNvSpPr>
+          <p:nvPr>
+            <p:ph type="ftr" sz="quarter" idx="11"/>
+          </p:nvPr>
+        </p:nvSpPr>
+        <p:spPr>
+          <a:xfrm>
+            <a:off x="10880090" y="6596380"/>
+            <a:ext cx="1311910" cy="245110"/>
+          </a:xfrm>
+        </p:spPr>
+        <p:txBody>
+          <a:bodyPr/>
+          <a:lstStyle/>
+          <a:p>
+            <a:r>
+              <a:rPr lang="zh-CN" altLang="en-US"/>
+              <a:t>三人开发小组</a:t>
+            </a:r>
+          </a:p>
+        </p:txBody>
+      </p:sp>
+      <p:sp>
+        <p:nvSpPr>
+          <p:cNvPr id="8" name="TextBox 7"/>
+          <p:cNvSpPr txBox="1"/>
+          <p:nvPr/>
+        </p:nvSpPr>
+        <p:spPr>
+          <a:xfrm>
+            <a:off x="651742" y="1466987"/>
+            <a:ext cx="3926542" cy="369332"/>
+          </a:xfrm>
+          <a:prstGeom prst="rect">
+            <a:avLst/>
+          </a:prstGeom>
+          <a:noFill/>
+        </p:spPr>
+        <p:txBody>
+          <a:bodyPr wrap="square" rtlCol="0">
+            <a:spAutoFit/>
+          </a:bodyPr>
+          <a:lstStyle/>
+          <a:p>
+            <a:r>
+              <a:rPr lang="zh-CN" altLang="en-US" dirty="0" smtClean="0"/>
+              <a:t>时间越长钱越多</a:t>
+            </a:r>
+            <a:endParaRPr lang="zh-CN" altLang="en-US" dirty="0"/>
+          </a:p>
+        </p:txBody>
+      </p:sp>
+    </p:spTree>
+    <p:extLst>
+      <p:ext uri="{BB962C8B-B14F-4D97-AF65-F5344CB8AC3E}">
+        <p14:creationId xmlns:p14="http://schemas.microsoft.com/office/powerpoint/2010/main" val="692601513"/>
+      </p:ext>
+    </p:extLst>
+  </p:cSld>
+  <p:clrMapOvr>
+    <a:masterClrMapping/>
+  </p:clrMapOvr>
+</p:sld>
+</file>
+
 <file path=ppt/slides/slide2.xml><?xml version="1.0" encoding="utf-8"?>
 <p:sld xmlns:a="http://schemas.openxmlformats.org/drawingml/2006/main" xmlns:r="http://schemas.openxmlformats.org/officeDocument/2006/relationships" xmlns:p="http://schemas.openxmlformats.org/presentationml/2006/main">
   <p:cSld>
@@ -3520,7 +3671,15 @@
                   <a:schemeClr val="bg1"/>
                 </a:solidFill>
               </a:rPr>
-              <a:t>道具系统</a:t>
+              <a:t>道具系</a:t>
+            </a:r>
+            <a:r>
+              <a:rPr lang="zh-CN" altLang="en-US" sz="4000" dirty="0" smtClean="0">
+                <a:solidFill>
+                  <a:schemeClr val="bg1"/>
+                </a:solidFill>
+              </a:rPr>
+              <a:t>统*</a:t>
             </a:r>
             <a:endParaRPr lang="zh-CN" altLang="zh-CN" sz="4000" dirty="0">
               <a:solidFill>
@@ -3554,7 +3713,6 @@
               <a:rPr lang="zh-CN" altLang="en-US"/>
               <a:t>三人开发小组</a:t>
             </a:r>
-            <a:endParaRPr lang="zh-CN" altLang="en-US"/>
           </a:p>
         </p:txBody>
       </p:sp>
@@ -3578,6 +3736,7 @@
           <a:bodyPr wrap="square" rtlCol="0">
             <a:spAutoFit/>
           </a:bodyPr>
+          <a:lstStyle/>
           <a:p>
             <a:r>
               <a:rPr lang="zh-CN" altLang="en-US">
@@ -3587,11 +3746,6 @@
               </a:rPr>
               <a:t>设计目的</a:t>
             </a:r>
-            <a:endParaRPr lang="zh-CN" altLang="en-US">
-              <a:solidFill>
-                <a:srgbClr val="00AE66"/>
-              </a:solidFill>
-            </a:endParaRPr>
           </a:p>
         </p:txBody>
       </p:sp>
@@ -3615,6 +3769,7 @@
           <a:bodyPr wrap="square" rtlCol="0">
             <a:spAutoFit/>
           </a:bodyPr>
+          <a:lstStyle/>
           <a:p>
             <a:r>
               <a:rPr lang="en-US" altLang="zh-CN"/>
@@ -3624,7 +3779,6 @@
               <a:rPr lang="zh-CN" altLang="en-US"/>
               <a:t>丰富游戏内容</a:t>
             </a:r>
-            <a:endParaRPr lang="zh-CN" altLang="en-US"/>
           </a:p>
         </p:txBody>
       </p:sp>
@@ -3678,6 +3832,7 @@
           <a:bodyPr wrap="square" rtlCol="0">
             <a:spAutoFit/>
           </a:bodyPr>
+          <a:lstStyle/>
           <a:p>
             <a:r>
               <a:rPr lang="en-US" altLang="zh-CN"/>
@@ -3695,7 +3850,6 @@
               <a:rPr lang="zh-CN" altLang="en-US"/>
               <a:t>的交互</a:t>
             </a:r>
-            <a:endParaRPr lang="zh-CN" altLang="en-US"/>
           </a:p>
         </p:txBody>
       </p:sp>
@@ -3832,7 +3986,6 @@
               <a:rPr lang="zh-CN" altLang="en-US"/>
               <a:t>三人开发小组</a:t>
             </a:r>
-            <a:endParaRPr lang="zh-CN" altLang="en-US"/>
           </a:p>
         </p:txBody>
       </p:sp>
@@ -3856,6 +4009,7 @@
           <a:bodyPr wrap="square" rtlCol="0">
             <a:spAutoFit/>
           </a:bodyPr>
+          <a:lstStyle/>
           <a:p>
             <a:r>
               <a:rPr lang="zh-CN" altLang="en-US">
@@ -3865,11 +4019,6 @@
               </a:rPr>
               <a:t>道具分类</a:t>
             </a:r>
-            <a:endParaRPr lang="zh-CN" altLang="en-US">
-              <a:solidFill>
-                <a:srgbClr val="00AE66"/>
-              </a:solidFill>
-            </a:endParaRPr>
           </a:p>
         </p:txBody>
       </p:sp>
@@ -3893,12 +4042,12 @@
           <a:bodyPr wrap="square" rtlCol="0">
             <a:spAutoFit/>
           </a:bodyPr>
+          <a:lstStyle/>
           <a:p>
             <a:r>
               <a:rPr lang="zh-CN" altLang="en-US"/>
               <a:t>主动使用型道具</a:t>
             </a:r>
-            <a:endParaRPr lang="zh-CN" altLang="en-US"/>
           </a:p>
         </p:txBody>
       </p:sp>
@@ -3952,12 +4101,12 @@
           <a:bodyPr wrap="square" rtlCol="0">
             <a:spAutoFit/>
           </a:bodyPr>
+          <a:lstStyle/>
           <a:p>
             <a:r>
               <a:rPr lang="zh-CN" altLang="en-US"/>
               <a:t>被动使用型道具</a:t>
             </a:r>
-            <a:endParaRPr lang="zh-CN" altLang="en-US"/>
           </a:p>
         </p:txBody>
       </p:sp>
@@ -3981,6 +4130,7 @@
           <a:bodyPr wrap="square" rtlCol="0">
             <a:spAutoFit/>
           </a:bodyPr>
+          <a:lstStyle/>
           <a:p>
             <a:r>
               <a:rPr lang="en-US" altLang="zh-CN" sz="1500"/>
@@ -3990,7 +4140,6 @@
               <a:rPr lang="zh-CN" altLang="en-US" sz="1500"/>
               <a:t>可主动选择是否使用</a:t>
             </a:r>
-            <a:endParaRPr lang="zh-CN" altLang="en-US" sz="1500"/>
           </a:p>
         </p:txBody>
       </p:sp>
@@ -4014,6 +4163,7 @@
           <a:bodyPr wrap="square" rtlCol="0">
             <a:spAutoFit/>
           </a:bodyPr>
+          <a:lstStyle/>
           <a:p>
             <a:r>
               <a:rPr lang="en-US" altLang="zh-CN" sz="1500"/>
@@ -4023,7 +4173,6 @@
               <a:rPr lang="zh-CN" altLang="en-US" sz="1500"/>
               <a:t>只能被动使用</a:t>
             </a:r>
-            <a:endParaRPr lang="zh-CN" altLang="en-US" sz="1500"/>
           </a:p>
         </p:txBody>
       </p:sp>
@@ -4126,7 +4275,15 @@
                   <a:schemeClr val="bg1"/>
                 </a:solidFill>
               </a:rPr>
-              <a:t>交易系统</a:t>
+              <a:t>交易系</a:t>
+            </a:r>
+            <a:r>
+              <a:rPr lang="zh-CN" altLang="en-US" sz="4000" dirty="0" smtClean="0">
+                <a:solidFill>
+                  <a:schemeClr val="bg1"/>
+                </a:solidFill>
+              </a:rPr>
+              <a:t>统*</a:t>
             </a:r>
             <a:endParaRPr lang="zh-CN" altLang="zh-CN" sz="4000" dirty="0">
               <a:solidFill>
@@ -4160,7 +4317,6 @@
               <a:rPr lang="zh-CN" altLang="en-US"/>
               <a:t>三人开发小组</a:t>
             </a:r>
-            <a:endParaRPr lang="zh-CN" altLang="en-US"/>
           </a:p>
         </p:txBody>
       </p:sp>
@@ -4184,6 +4340,7 @@
           <a:bodyPr wrap="square" rtlCol="0">
             <a:spAutoFit/>
           </a:bodyPr>
+          <a:lstStyle/>
           <a:p>
             <a:r>
               <a:rPr lang="zh-CN" altLang="en-US">
@@ -4193,11 +4350,6 @@
               </a:rPr>
               <a:t>设计目的</a:t>
             </a:r>
-            <a:endParaRPr lang="zh-CN" altLang="en-US">
-              <a:solidFill>
-                <a:srgbClr val="00AE66"/>
-              </a:solidFill>
-            </a:endParaRPr>
           </a:p>
         </p:txBody>
       </p:sp>
@@ -4251,6 +4403,7 @@
           <a:bodyPr wrap="square" rtlCol="0">
             <a:spAutoFit/>
           </a:bodyPr>
+          <a:lstStyle/>
           <a:p>
             <a:r>
               <a:rPr lang="en-US" altLang="zh-CN"/>
@@ -4260,7 +4413,6 @@
               <a:rPr lang="zh-CN" altLang="en-US"/>
               <a:t>增加金钱来源</a:t>
             </a:r>
-            <a:endParaRPr lang="zh-CN" altLang="en-US"/>
           </a:p>
         </p:txBody>
       </p:sp>
@@ -4284,6 +4436,7 @@
           <a:bodyPr wrap="square" rtlCol="0">
             <a:spAutoFit/>
           </a:bodyPr>
+          <a:lstStyle/>
           <a:p>
             <a:r>
               <a:rPr lang="en-US" altLang="zh-CN"/>
@@ -4293,7 +4446,6 @@
               <a:rPr lang="zh-CN" altLang="en-US"/>
               <a:t>简化道具获取流程</a:t>
             </a:r>
-            <a:endParaRPr lang="zh-CN" altLang="en-US"/>
           </a:p>
         </p:txBody>
       </p:sp>
@@ -4317,6 +4469,7 @@
           <a:bodyPr wrap="square" rtlCol="0">
             <a:spAutoFit/>
           </a:bodyPr>
+          <a:lstStyle/>
           <a:p>
             <a:r>
               <a:rPr lang="en-US" altLang="zh-CN"/>
@@ -4326,7 +4479,6 @@
               <a:rPr lang="zh-CN" altLang="en-US"/>
               <a:t>明确道具来源</a:t>
             </a:r>
-            <a:endParaRPr lang="zh-CN" altLang="en-US"/>
           </a:p>
         </p:txBody>
       </p:sp>
@@ -4463,7 +4615,6 @@
               <a:rPr lang="zh-CN" altLang="en-US"/>
               <a:t>三人开发小组</a:t>
             </a:r>
-            <a:endParaRPr lang="zh-CN" altLang="en-US"/>
           </a:p>
         </p:txBody>
       </p:sp>
@@ -4487,6 +4638,7 @@
           <a:bodyPr wrap="square" rtlCol="0">
             <a:spAutoFit/>
           </a:bodyPr>
+          <a:lstStyle/>
           <a:p>
             <a:r>
               <a:rPr lang="zh-CN" altLang="en-US">
@@ -4496,11 +4648,6 @@
               </a:rPr>
               <a:t>系统说明</a:t>
             </a:r>
-            <a:endParaRPr lang="zh-CN" altLang="en-US">
-              <a:solidFill>
-                <a:srgbClr val="00AE66"/>
-              </a:solidFill>
-            </a:endParaRPr>
           </a:p>
         </p:txBody>
       </p:sp>
@@ -4554,6 +4701,7 @@
           <a:bodyPr wrap="square" rtlCol="0">
             <a:spAutoFit/>
           </a:bodyPr>
+          <a:lstStyle/>
           <a:p>
             <a:r>
               <a:rPr lang="en-US" altLang="zh-CN"/>
@@ -4571,7 +4719,6 @@
               <a:rPr lang="zh-CN" altLang="en-US"/>
               <a:t>负责交易，玩家可以通过变卖道具获得金钱，也可以通过购买，获得道具</a:t>
             </a:r>
-            <a:endParaRPr lang="zh-CN" altLang="en-US"/>
           </a:p>
         </p:txBody>
       </p:sp>
@@ -4595,6 +4742,7 @@
           <a:bodyPr wrap="square" rtlCol="0">
             <a:spAutoFit/>
           </a:bodyPr>
+          <a:lstStyle/>
           <a:p>
             <a:r>
               <a:rPr lang="en-US" altLang="zh-CN"/>
@@ -4612,7 +4760,6 @@
               <a:rPr lang="zh-CN" altLang="en-US"/>
               <a:t>以物换物，交换道具</a:t>
             </a:r>
-            <a:endParaRPr lang="zh-CN" altLang="en-US"/>
           </a:p>
         </p:txBody>
       </p:sp>
@@ -4636,6 +4783,7 @@
           <a:bodyPr wrap="square" rtlCol="0">
             <a:spAutoFit/>
           </a:bodyPr>
+          <a:lstStyle/>
           <a:p>
             <a:r>
               <a:rPr lang="en-US" altLang="zh-CN"/>
@@ -4653,7 +4801,6 @@
               <a:rPr lang="zh-CN" altLang="en-US"/>
               <a:t>购买信息</a:t>
             </a:r>
-            <a:endParaRPr lang="zh-CN" altLang="en-US"/>
           </a:p>
         </p:txBody>
       </p:sp>
@@ -4751,12 +4898,28 @@
           <a:lstStyle/>
           <a:p>
             <a:r>
+              <a:rPr lang="zh-CN" altLang="en-US" sz="4000" dirty="0">
+                <a:solidFill>
+                  <a:schemeClr val="bg1"/>
+                </a:solidFill>
+              </a:rPr>
+              <a:t>角</a:t>
+            </a:r>
+            <a:r>
               <a:rPr lang="zh-CN" altLang="en-US" sz="4000" dirty="0" smtClean="0">
                 <a:solidFill>
                   <a:schemeClr val="bg1"/>
                 </a:solidFill>
               </a:rPr>
-              <a:t>成就系统</a:t>
+              <a:t>色日志系</a:t>
+            </a:r>
+            <a:r>
+              <a:rPr lang="zh-CN" altLang="en-US" sz="4000" dirty="0" smtClean="0">
+                <a:solidFill>
+                  <a:schemeClr val="bg1"/>
+                </a:solidFill>
+              </a:rPr>
+              <a:t>统*</a:t>
             </a:r>
             <a:endParaRPr lang="en-US" altLang="zh-CN" sz="4000" dirty="0" smtClean="0">
               <a:solidFill>
@@ -4790,7 +4953,6 @@
               <a:rPr lang="zh-CN" altLang="en-US"/>
               <a:t>三人开发小组</a:t>
             </a:r>
-            <a:endParaRPr lang="zh-CN" altLang="en-US"/>
           </a:p>
         </p:txBody>
       </p:sp>
@@ -4814,6 +4976,7 @@
           <a:bodyPr wrap="square" rtlCol="0">
             <a:spAutoFit/>
           </a:bodyPr>
+          <a:lstStyle/>
           <a:p>
             <a:r>
               <a:rPr lang="zh-CN" altLang="en-US">
@@ -4823,11 +4986,6 @@
               </a:rPr>
               <a:t>设计目的</a:t>
             </a:r>
-            <a:endParaRPr lang="zh-CN" altLang="en-US">
-              <a:solidFill>
-                <a:srgbClr val="00AE66"/>
-              </a:solidFill>
-            </a:endParaRPr>
           </a:p>
         </p:txBody>
       </p:sp>
@@ -4869,8 +5027,8 @@
         </p:nvSpPr>
         <p:spPr>
           <a:xfrm>
-            <a:off x="762000" y="1985645"/>
-            <a:ext cx="3716655" cy="368300"/>
+            <a:off x="732790" y="2014220"/>
+            <a:ext cx="4044315" cy="368300"/>
           </a:xfrm>
           <a:prstGeom prst="rect">
             <a:avLst/>
@@ -4881,6 +5039,7 @@
           <a:bodyPr wrap="square" rtlCol="0">
             <a:spAutoFit/>
           </a:bodyPr>
+          <a:lstStyle/>
           <a:p>
             <a:r>
               <a:rPr lang="en-US" altLang="zh-CN"/>
@@ -4888,9 +5047,8 @@
             </a:r>
             <a:r>
               <a:rPr lang="zh-CN" altLang="en-US"/>
-              <a:t>刺激玩家收集欲</a:t>
-            </a:r>
-            <a:endParaRPr lang="zh-CN" altLang="en-US"/>
+              <a:t>记录角色信息，丰富游戏世界观</a:t>
+            </a:r>
           </a:p>
         </p:txBody>
       </p:sp>
@@ -4902,8 +5060,8 @@
         </p:nvSpPr>
         <p:spPr>
           <a:xfrm>
-            <a:off x="762000" y="2506980"/>
-            <a:ext cx="3716655" cy="368300"/>
+            <a:off x="732790" y="2458085"/>
+            <a:ext cx="4044315" cy="368300"/>
           </a:xfrm>
           <a:prstGeom prst="rect">
             <a:avLst/>
@@ -4914,6 +5072,7 @@
           <a:bodyPr wrap="square" rtlCol="0">
             <a:spAutoFit/>
           </a:bodyPr>
+          <a:lstStyle/>
           <a:p>
             <a:r>
               <a:rPr lang="en-US" altLang="zh-CN"/>
@@ -4921,42 +5080,8 @@
             </a:r>
             <a:r>
               <a:rPr lang="zh-CN" altLang="en-US"/>
-              <a:t>引导玩家探索游戏</a:t>
-            </a:r>
-            <a:endParaRPr lang="zh-CN" altLang="en-US"/>
-          </a:p>
-        </p:txBody>
-      </p:sp>
-      <p:sp>
-        <p:nvSpPr>
-          <p:cNvPr id="8" name="文本框 7"/>
-          <p:cNvSpPr txBox="1"/>
-          <p:nvPr/>
-        </p:nvSpPr>
-        <p:spPr>
-          <a:xfrm>
-            <a:off x="762000" y="3028315"/>
-            <a:ext cx="3716655" cy="368300"/>
-          </a:xfrm>
-          <a:prstGeom prst="rect">
-            <a:avLst/>
-          </a:prstGeom>
-          <a:noFill/>
-        </p:spPr>
-        <p:txBody>
-          <a:bodyPr wrap="square" rtlCol="0">
-            <a:spAutoFit/>
-          </a:bodyPr>
-          <a:p>
-            <a:r>
-              <a:rPr lang="en-US" altLang="zh-CN"/>
-              <a:t>3.</a:t>
-            </a:r>
-            <a:r>
-              <a:rPr lang="zh-CN" altLang="en-US"/>
-              <a:t>增加游戏时长</a:t>
-            </a:r>
-            <a:endParaRPr lang="zh-CN" altLang="en-US"/>
+              <a:t>角色信息提供玩家判断依据</a:t>
+            </a:r>
           </a:p>
         </p:txBody>
       </p:sp>
@@ -5040,7 +5165,7 @@
         <p:spPr>
           <a:xfrm>
             <a:off x="570230" y="427990"/>
-            <a:ext cx="4298315" cy="707886"/>
+            <a:ext cx="4298315" cy="701040"/>
           </a:xfrm>
           <a:prstGeom prst="rect">
             <a:avLst/>
@@ -5053,27 +5178,14 @@
           </a:bodyPr>
           <a:lstStyle/>
           <a:p>
-            <a:r>
-              <a:rPr lang="zh-CN" altLang="en-US" sz="4000" dirty="0">
-                <a:solidFill>
-                  <a:schemeClr val="bg1"/>
-                </a:solidFill>
-              </a:rPr>
-              <a:t>角</a:t>
-            </a:r>
             <a:r>
               <a:rPr lang="zh-CN" altLang="en-US" sz="4000" dirty="0" smtClean="0">
                 <a:solidFill>
                   <a:schemeClr val="bg1"/>
                 </a:solidFill>
               </a:rPr>
-              <a:t>色日志系统</a:t>
-            </a:r>
-            <a:endParaRPr lang="en-US" altLang="zh-CN" sz="4000" dirty="0" smtClean="0">
-              <a:solidFill>
-                <a:schemeClr val="bg1"/>
-              </a:solidFill>
-            </a:endParaRPr>
+              <a:t>关于失败</a:t>
+            </a:r>
           </a:p>
         </p:txBody>
       </p:sp>
@@ -5101,7 +5213,6 @@
               <a:rPr lang="zh-CN" altLang="en-US"/>
               <a:t>三人开发小组</a:t>
             </a:r>
-            <a:endParaRPr lang="zh-CN" altLang="en-US"/>
           </a:p>
         </p:txBody>
       </p:sp>
@@ -5125,6 +5236,7 @@
           <a:bodyPr wrap="square" rtlCol="0">
             <a:spAutoFit/>
           </a:bodyPr>
+          <a:lstStyle/>
           <a:p>
             <a:r>
               <a:rPr lang="zh-CN" altLang="en-US">
@@ -5132,13 +5244,8 @@
                   <a:srgbClr val="00AE66"/>
                 </a:solidFill>
               </a:rPr>
-              <a:t>设计目的</a:t>
-            </a:r>
-            <a:endParaRPr lang="zh-CN" altLang="en-US">
-              <a:solidFill>
-                <a:srgbClr val="00AE66"/>
-              </a:solidFill>
-            </a:endParaRPr>
+              <a:t>思考如何失败</a:t>
+            </a:r>
           </a:p>
         </p:txBody>
       </p:sp>
@@ -5192,16 +5299,24 @@
           <a:bodyPr wrap="square" rtlCol="0">
             <a:spAutoFit/>
           </a:bodyPr>
-          <a:p>
-            <a:r>
-              <a:rPr lang="en-US" altLang="zh-CN"/>
-              <a:t>1.</a:t>
-            </a:r>
-            <a:r>
-              <a:rPr lang="zh-CN" altLang="en-US"/>
-              <a:t>记录角色信息，丰富游戏世界观</a:t>
-            </a:r>
-            <a:endParaRPr lang="zh-CN" altLang="en-US"/>
+          <a:lstStyle/>
+          <a:p>
+            <a:r>
+              <a:rPr lang="en-US" altLang="zh-CN">
+                <a:solidFill>
+                  <a:srgbClr val="FF0000"/>
+                </a:solidFill>
+              </a:rPr>
+              <a:t> 1.</a:t>
+            </a:r>
+            <a:r>
+              <a:rPr lang="zh-CN" altLang="en-US">
+                <a:solidFill>
+                  <a:srgbClr val="FF0000"/>
+                </a:solidFill>
+              </a:rPr>
+              <a:t>生命值系统</a:t>
+            </a:r>
           </a:p>
         </p:txBody>
       </p:sp>
@@ -5213,7 +5328,7 @@
         </p:nvSpPr>
         <p:spPr>
           <a:xfrm>
-            <a:off x="732790" y="2458085"/>
+            <a:off x="732790" y="2526030"/>
             <a:ext cx="4044315" cy="368300"/>
           </a:xfrm>
           <a:prstGeom prst="rect">
@@ -5225,16 +5340,127 @@
           <a:bodyPr wrap="square" rtlCol="0">
             <a:spAutoFit/>
           </a:bodyPr>
+          <a:lstStyle/>
           <a:p>
             <a:r>
               <a:rPr lang="en-US" altLang="zh-CN"/>
+              <a:t> </a:t>
+            </a:r>
+            <a:r>
+              <a:rPr lang="en-US"/>
               <a:t>2.</a:t>
             </a:r>
             <a:r>
               <a:rPr lang="zh-CN" altLang="en-US"/>
-              <a:t>角色信息提供玩家判断依据</a:t>
-            </a:r>
-            <a:endParaRPr lang="zh-CN" altLang="en-US"/>
+              <a:t>好感度系统</a:t>
+            </a:r>
+          </a:p>
+        </p:txBody>
+      </p:sp>
+      <p:sp>
+        <p:nvSpPr>
+          <p:cNvPr id="8" name="文本框 7"/>
+          <p:cNvSpPr txBox="1"/>
+          <p:nvPr/>
+        </p:nvSpPr>
+        <p:spPr>
+          <a:xfrm>
+            <a:off x="732789" y="3034982"/>
+            <a:ext cx="4044315" cy="368300"/>
+          </a:xfrm>
+          <a:prstGeom prst="rect">
+            <a:avLst/>
+          </a:prstGeom>
+          <a:noFill/>
+        </p:spPr>
+        <p:txBody>
+          <a:bodyPr wrap="square" rtlCol="0">
+            <a:spAutoFit/>
+          </a:bodyPr>
+          <a:lstStyle/>
+          <a:p>
+            <a:r>
+              <a:rPr lang="en-US" altLang="zh-CN"/>
+              <a:t> </a:t>
+            </a:r>
+            <a:r>
+              <a:rPr lang="en-US"/>
+              <a:t>3.</a:t>
+            </a:r>
+            <a:r>
+              <a:rPr lang="zh-CN" altLang="en-US"/>
+              <a:t>无失败？</a:t>
+            </a:r>
+          </a:p>
+        </p:txBody>
+      </p:sp>
+      <p:sp>
+        <p:nvSpPr>
+          <p:cNvPr id="10" name="文本框 7"/>
+          <p:cNvSpPr txBox="1"/>
+          <p:nvPr/>
+        </p:nvSpPr>
+        <p:spPr>
+          <a:xfrm>
+            <a:off x="762000" y="3461702"/>
+            <a:ext cx="4044315" cy="368300"/>
+          </a:xfrm>
+          <a:prstGeom prst="rect">
+            <a:avLst/>
+          </a:prstGeom>
+          <a:noFill/>
+        </p:spPr>
+        <p:txBody>
+          <a:bodyPr wrap="square" rtlCol="0">
+            <a:spAutoFit/>
+          </a:bodyPr>
+          <a:lstStyle/>
+          <a:p>
+            <a:r>
+              <a:rPr lang="en-US" altLang="zh-CN" dirty="0" smtClean="0">
+                <a:solidFill>
+                  <a:srgbClr val="FF0000"/>
+                </a:solidFill>
+              </a:rPr>
+              <a:t>4</a:t>
+            </a:r>
+            <a:r>
+              <a:rPr lang="en-US" dirty="0" smtClean="0">
+                <a:solidFill>
+                  <a:srgbClr val="FF0000"/>
+                </a:solidFill>
+              </a:rPr>
+              <a:t>.</a:t>
+            </a:r>
+            <a:r>
+              <a:rPr lang="zh-CN" altLang="en-US" dirty="0" smtClean="0">
+                <a:solidFill>
+                  <a:srgbClr val="FF0000"/>
+                </a:solidFill>
+              </a:rPr>
+              <a:t>自带金钱，为</a:t>
+            </a:r>
+            <a:r>
+              <a:rPr lang="en-US" altLang="zh-CN" dirty="0" smtClean="0">
+                <a:solidFill>
+                  <a:srgbClr val="FF0000"/>
+                </a:solidFill>
+              </a:rPr>
+              <a:t>0</a:t>
+            </a:r>
+            <a:r>
+              <a:rPr lang="zh-CN" altLang="en-US" dirty="0" smtClean="0">
+                <a:solidFill>
+                  <a:srgbClr val="FF0000"/>
+                </a:solidFill>
+              </a:rPr>
+              <a:t>失败。</a:t>
+            </a:r>
+            <a:endParaRPr lang="zh-CN" altLang="en-US" dirty="0">
+              <a:solidFill>
+                <a:srgbClr val="FF0000"/>
+              </a:solidFill>
+            </a:endParaRPr>
           </a:p>
         </p:txBody>
       </p:sp>
@@ -5332,20 +5558,12 @@
           <a:lstStyle/>
           <a:p>
             <a:r>
-              <a:rPr lang="zh-CN" altLang="en-US" sz="4000" dirty="0">
-                <a:solidFill>
-                  <a:schemeClr val="bg1"/>
-                </a:solidFill>
-              </a:rPr>
-              <a:t>换</a:t>
-            </a:r>
-            <a:r>
               <a:rPr lang="zh-CN" altLang="en-US" sz="4000" dirty="0" smtClean="0">
                 <a:solidFill>
                   <a:schemeClr val="bg1"/>
                 </a:solidFill>
               </a:rPr>
-              <a:t>人系统</a:t>
+              <a:t>成就系统</a:t>
             </a:r>
             <a:endParaRPr lang="en-US" altLang="zh-CN" sz="4000" dirty="0" smtClean="0">
               <a:solidFill>
@@ -5379,7 +5597,6 @@
               <a:rPr lang="zh-CN" altLang="en-US"/>
               <a:t>三人开发小组</a:t>
             </a:r>
-            <a:endParaRPr lang="zh-CN" altLang="en-US"/>
           </a:p>
         </p:txBody>
       </p:sp>
@@ -5403,6 +5620,7 @@
           <a:bodyPr wrap="square" rtlCol="0">
             <a:spAutoFit/>
           </a:bodyPr>
+          <a:lstStyle/>
           <a:p>
             <a:r>
               <a:rPr lang="zh-CN" altLang="en-US">
@@ -5412,11 +5630,6 @@
               </a:rPr>
               <a:t>设计目的</a:t>
             </a:r>
-            <a:endParaRPr lang="zh-CN" altLang="en-US">
-              <a:solidFill>
-                <a:srgbClr val="00AE66"/>
-              </a:solidFill>
-            </a:endParaRPr>
           </a:p>
         </p:txBody>
       </p:sp>
@@ -5458,8 +5671,8 @@
         </p:nvSpPr>
         <p:spPr>
           <a:xfrm>
-            <a:off x="732790" y="2014220"/>
-            <a:ext cx="4044315" cy="368300"/>
+            <a:off x="762000" y="1985645"/>
+            <a:ext cx="3716655" cy="368300"/>
           </a:xfrm>
           <a:prstGeom prst="rect">
             <a:avLst/>
@@ -5470,16 +5683,16 @@
           <a:bodyPr wrap="square" rtlCol="0">
             <a:spAutoFit/>
           </a:bodyPr>
+          <a:lstStyle/>
           <a:p>
             <a:r>
               <a:rPr lang="en-US" altLang="zh-CN"/>
-              <a:t> 1.</a:t>
+              <a:t>1.</a:t>
             </a:r>
             <a:r>
               <a:rPr lang="zh-CN" altLang="en-US"/>
-              <a:t>避免游戏单调，增加多样化</a:t>
-            </a:r>
-            <a:endParaRPr lang="zh-CN" altLang="en-US"/>
+              <a:t>刺激玩家收集欲</a:t>
+            </a:r>
           </a:p>
         </p:txBody>
       </p:sp>
@@ -5491,8 +5704,8 @@
         </p:nvSpPr>
         <p:spPr>
           <a:xfrm>
-            <a:off x="732790" y="2526030"/>
-            <a:ext cx="4044315" cy="368300"/>
+            <a:off x="762000" y="2506980"/>
+            <a:ext cx="3716655" cy="368300"/>
           </a:xfrm>
           <a:prstGeom prst="rect">
             <a:avLst/>
@@ -5503,24 +5716,49 @@
           <a:bodyPr wrap="square" rtlCol="0">
             <a:spAutoFit/>
           </a:bodyPr>
+          <a:lstStyle/>
           <a:p>
             <a:r>
               <a:rPr lang="en-US" altLang="zh-CN"/>
-              <a:t> </a:t>
-            </a:r>
-            <a:r>
-              <a:rPr lang="en-US"/>
               <a:t>2.</a:t>
             </a:r>
             <a:r>
               <a:rPr lang="zh-CN" altLang="en-US"/>
-              <a:t>尽量复用</a:t>
-            </a:r>
+              <a:t>引导玩家探索游戏</a:t>
+            </a:r>
+          </a:p>
+        </p:txBody>
+      </p:sp>
+      <p:sp>
+        <p:nvSpPr>
+          <p:cNvPr id="8" name="文本框 7"/>
+          <p:cNvSpPr txBox="1"/>
+          <p:nvPr/>
+        </p:nvSpPr>
+        <p:spPr>
+          <a:xfrm>
+            <a:off x="762000" y="3028315"/>
+            <a:ext cx="3716655" cy="368300"/>
+          </a:xfrm>
+          <a:prstGeom prst="rect">
+            <a:avLst/>
+          </a:prstGeom>
+          <a:noFill/>
+        </p:spPr>
+        <p:txBody>
+          <a:bodyPr wrap="square" rtlCol="0">
+            <a:spAutoFit/>
+          </a:bodyPr>
+          <a:lstStyle/>
+          <a:p>
             <a:r>
               <a:rPr lang="en-US" altLang="zh-CN"/>
-              <a:t>NPC</a:t>
-            </a:r>
-            <a:endParaRPr lang="en-US" altLang="zh-CN"/>
+              <a:t>3.</a:t>
+            </a:r>
+            <a:r>
+              <a:rPr lang="zh-CN" altLang="en-US"/>
+              <a:t>增加游戏时长</a:t>
+            </a:r>
           </a:p>
         </p:txBody>
       </p:sp>
@@ -5604,7 +5842,7 @@
         <p:spPr>
           <a:xfrm>
             <a:off x="570230" y="427990"/>
-            <a:ext cx="4298315" cy="701040"/>
+            <a:ext cx="4298315" cy="707886"/>
           </a:xfrm>
           <a:prstGeom prst="rect">
             <a:avLst/>
@@ -5617,15 +5855,23 @@
           </a:bodyPr>
           <a:lstStyle/>
           <a:p>
+            <a:r>
+              <a:rPr lang="zh-CN" altLang="en-US" sz="4000" dirty="0">
+                <a:solidFill>
+                  <a:schemeClr val="bg1"/>
+                </a:solidFill>
+              </a:rPr>
+              <a:t>换</a:t>
+            </a:r>
             <a:r>
               <a:rPr lang="zh-CN" altLang="en-US" sz="4000" dirty="0" smtClean="0">
                 <a:solidFill>
                   <a:schemeClr val="bg1"/>
                 </a:solidFill>
               </a:rPr>
-              <a:t>关于失败</a:t>
-            </a:r>
-            <a:endParaRPr lang="zh-CN" altLang="en-US" sz="4000" dirty="0" smtClean="0">
+              <a:t>人系统</a:t>
+            </a:r>
+            <a:endParaRPr lang="en-US" altLang="zh-CN" sz="4000" dirty="0" smtClean="0">
               <a:solidFill>
                 <a:schemeClr val="bg1"/>
               </a:solidFill>
@@ -5657,7 +5903,6 @@
               <a:rPr lang="zh-CN" altLang="en-US"/>
               <a:t>三人开发小组</a:t>
             </a:r>
-            <a:endParaRPr lang="zh-CN" altLang="en-US"/>
           </a:p>
         </p:txBody>
       </p:sp>
@@ -5681,6 +5926,7 @@
           <a:bodyPr wrap="square" rtlCol="0">
             <a:spAutoFit/>
           </a:bodyPr>
+          <a:lstStyle/>
           <a:p>
             <a:r>
               <a:rPr lang="zh-CN" altLang="en-US">
@@ -5688,13 +5934,8 @@
                   <a:srgbClr val="00AE66"/>
                 </a:solidFill>
               </a:rPr>
-              <a:t>思考如何失败</a:t>
-            </a:r>
-            <a:endParaRPr lang="zh-CN" altLang="en-US">
-              <a:solidFill>
-                <a:srgbClr val="00AE66"/>
-              </a:solidFill>
-            </a:endParaRPr>
+              <a:t>设计目的</a:t>
+            </a:r>
           </a:p>
         </p:txBody>
       </p:sp>
@@ -5748,6 +5989,7 @@
           <a:bodyPr wrap="square" rtlCol="0">
             <a:spAutoFit/>
           </a:bodyPr>
+          <a:lstStyle/>
           <a:p>
             <a:r>
               <a:rPr lang="en-US" altLang="zh-CN"/>
@@ -5755,9 +5997,8 @@
             </a:r>
             <a:r>
               <a:rPr lang="zh-CN" altLang="en-US"/>
-              <a:t>生命值系统</a:t>
-            </a:r>
-            <a:endParaRPr lang="zh-CN" altLang="en-US"/>
+              <a:t>避免游戏单调，增加多样化</a:t>
+            </a:r>
           </a:p>
         </p:txBody>
       </p:sp>
@@ -5769,7 +6010,7 @@
         </p:nvSpPr>
         <p:spPr>
           <a:xfrm>
-            <a:off x="732790" y="2526030"/>
+            <a:off x="732789" y="2526030"/>
             <a:ext cx="4044315" cy="368300"/>
           </a:xfrm>
           <a:prstGeom prst="rect">
@@ -5781,6 +6022,7 @@
           <a:bodyPr wrap="square" rtlCol="0">
             <a:spAutoFit/>
           </a:bodyPr>
+          <a:lstStyle/>
           <a:p>
             <a:r>
               <a:rPr lang="en-US" altLang="zh-CN"/>
@@ -5792,21 +6034,24 @@
             </a:r>
             <a:r>
               <a:rPr lang="zh-CN" altLang="en-US"/>
-              <a:t>好感度系统</a:t>
-            </a:r>
-            <a:endParaRPr lang="zh-CN" altLang="en-US"/>
-          </a:p>
-        </p:txBody>
-      </p:sp>
-      <p:sp>
-        <p:nvSpPr>
-          <p:cNvPr id="8" name="文本框 7"/>
+              <a:t>尽量复用</a:t>
+            </a:r>
+            <a:r>
+              <a:rPr lang="en-US" altLang="zh-CN"/>
+              <a:t>NPC</a:t>
+            </a:r>
+          </a:p>
+        </p:txBody>
+      </p:sp>
+      <p:sp>
+        <p:nvSpPr>
+          <p:cNvPr id="10" name="文本框 6"/>
           <p:cNvSpPr txBox="1"/>
           <p:nvPr/>
         </p:nvSpPr>
         <p:spPr>
           <a:xfrm>
-            <a:off x="732790" y="3086100"/>
+            <a:off x="761999" y="3037840"/>
             <a:ext cx="4044315" cy="368300"/>
           </a:xfrm>
           <a:prstGeom prst="rect">
@@ -5818,20 +6063,59 @@
           <a:bodyPr wrap="square" rtlCol="0">
             <a:spAutoFit/>
           </a:bodyPr>
-          <a:p>
-            <a:r>
-              <a:rPr lang="en-US" altLang="zh-CN"/>
-              <a:t> </a:t>
-            </a:r>
-            <a:r>
-              <a:rPr lang="en-US"/>
-              <a:t>3.</a:t>
-            </a:r>
-            <a:r>
-              <a:rPr lang="zh-CN" altLang="en-US"/>
-              <a:t>无失败？</a:t>
-            </a:r>
-            <a:endParaRPr lang="zh-CN" altLang="en-US"/>
+          <a:lstStyle/>
+          <a:p>
+            <a:r>
+              <a:rPr lang="en-US" altLang="zh-CN" dirty="0" smtClean="0"/>
+              <a:t>3</a:t>
+            </a:r>
+            <a:r>
+              <a:rPr lang="en-US" dirty="0" smtClean="0"/>
+              <a:t>.</a:t>
+            </a:r>
+            <a:r>
+              <a:rPr lang="zh-CN" altLang="en-US" dirty="0" smtClean="0"/>
+              <a:t>后面关卡加入可选角色</a:t>
+            </a:r>
+            <a:endParaRPr lang="en-US" altLang="zh-CN" dirty="0"/>
+          </a:p>
+        </p:txBody>
+      </p:sp>
+      <p:sp>
+        <p:nvSpPr>
+          <p:cNvPr id="11" name="文本框 6"/>
+          <p:cNvSpPr txBox="1"/>
+          <p:nvPr/>
+        </p:nvSpPr>
+        <p:spPr>
+          <a:xfrm>
+            <a:off x="762000" y="3549650"/>
+            <a:ext cx="4044315" cy="368300"/>
+          </a:xfrm>
+          <a:prstGeom prst="rect">
+            <a:avLst/>
+          </a:prstGeom>
+          <a:noFill/>
+        </p:spPr>
+        <p:txBody>
+          <a:bodyPr wrap="square" rtlCol="0">
+            <a:spAutoFit/>
+          </a:bodyPr>
+          <a:lstStyle/>
+          <a:p>
+            <a:r>
+              <a:rPr lang="en-US" altLang="zh-CN" dirty="0" smtClean="0"/>
+              <a:t>4</a:t>
+            </a:r>
+            <a:r>
+              <a:rPr lang="en-US" dirty="0" smtClean="0"/>
+              <a:t>.</a:t>
+            </a:r>
+            <a:r>
+              <a:rPr lang="zh-CN" altLang="en-US" dirty="0" smtClean="0"/>
+              <a:t>不同角色对话不同</a:t>
+            </a:r>
+            <a:endParaRPr lang="en-US" altLang="zh-CN" dirty="0"/>
           </a:p>
         </p:txBody>
       </p:sp>
